--- a/consultorio1.pptx
+++ b/consultorio1.pptx
@@ -3,7 +3,7 @@
 <p:presentation xmlns:a="http://schemas.openxmlformats.org/drawingml/2006/main" xmlns:r="http://schemas.openxmlformats.org/officeDocument/2006/relationships" xmlns:p="http://schemas.openxmlformats.org/presentationml/2006/main" strictFirstAndLastChars="0" embedTrueTypeFonts="1" saveSubsetFonts="1" autoCompressPictures="0">
   <p:sldMasterIdLst>
     <p:sldMasterId id="2147483681" r:id="rId1"/>
-    <p:sldMasterId id="2147483720" r:id="rId2"/>
+    <p:sldMasterId id="2147483732" r:id="rId2"/>
   </p:sldMasterIdLst>
   <p:notesMasterIdLst>
     <p:notesMasterId r:id="rId13"/>
@@ -1038,7 +1038,7 @@
               </a:spcAft>
               <a:buNone/>
             </a:pPr>
-            <a:endParaRPr/>
+            <a:endParaRPr dirty="0"/>
           </a:p>
         </p:txBody>
       </p:sp>
@@ -2742,7 +2742,7 @@
     <p:bg>
       <p:bgPr>
         <a:solidFill>
-          <a:schemeClr val="accent1"/>
+          <a:schemeClr val="bg2"/>
         </a:solidFill>
         <a:effectLst/>
       </p:bgPr>
@@ -2831,11 +2831,7 @@
                 <a:spcPts val="0"/>
               </a:spcAft>
               <a:buNone/>
-              <a:defRPr sz="1725">
-                <a:solidFill>
-                  <a:schemeClr val="bg2"/>
-                </a:solidFill>
-              </a:defRPr>
+              <a:defRPr sz="1725"/>
             </a:lvl1pPr>
             <a:lvl2pPr marL="342900" indent="0" algn="ctr">
               <a:buNone/>
@@ -2999,7 +2995,7 @@
       </p:sp>
       <p:grpSp>
         <p:nvGrpSpPr>
-          <p:cNvPr id="9" name="Group 8"/>
+          <p:cNvPr id="7" name="Group 6"/>
           <p:cNvGrpSpPr/>
           <p:nvPr/>
         </p:nvGrpSpPr>
@@ -3129,12 +3125,12 @@
     </p:spTree>
     <p:extLst>
       <p:ext uri="{BB962C8B-B14F-4D97-AF65-F5344CB8AC3E}">
-        <p14:creationId xmlns:p14="http://schemas.microsoft.com/office/powerpoint/2010/main" val="352249743"/>
+        <p14:creationId xmlns:p14="http://schemas.microsoft.com/office/powerpoint/2010/main" val="1732288061"/>
       </p:ext>
     </p:extLst>
   </p:cSld>
   <p:clrMapOvr>
-    <a:masterClrMapping/>
+    <a:overrideClrMapping bg1="lt1" tx1="dk1" bg2="lt2" tx2="dk2" accent1="accent1" accent2="accent2" accent3="accent3" accent4="accent4" accent5="accent5" accent6="accent6" hlink="hlink" folHlink="folHlink"/>
   </p:clrMapOvr>
 </p:sldLayout>
 </file>
@@ -3313,7 +3309,7 @@
     </p:spTree>
     <p:extLst>
       <p:ext uri="{BB962C8B-B14F-4D97-AF65-F5344CB8AC3E}">
-        <p14:creationId xmlns:p14="http://schemas.microsoft.com/office/powerpoint/2010/main" val="3557592472"/>
+        <p14:creationId xmlns:p14="http://schemas.microsoft.com/office/powerpoint/2010/main" val="3803668047"/>
       </p:ext>
     </p:extLst>
   </p:cSld>
@@ -3369,7 +3365,7 @@
             <a:lvl1pPr algn="r">
               <a:defRPr sz="5400" cap="all" baseline="0">
                 <a:solidFill>
-                  <a:schemeClr val="accent1"/>
+                  <a:schemeClr val="tx2"/>
                 </a:solidFill>
               </a:defRPr>
             </a:lvl1pPr>
@@ -3629,7 +3625,7 @@
       </p:sp>
       <p:sp>
         <p:nvSpPr>
-          <p:cNvPr id="7" name="Freeform 6"/>
+          <p:cNvPr id="7" name="Freeform 6" title="Crop Mark"/>
           <p:cNvSpPr/>
           <p:nvPr/>
         </p:nvSpPr>
@@ -3672,7 +3668,7 @@
             </a:pathLst>
           </a:custGeom>
           <a:solidFill>
-            <a:schemeClr val="accent1"/>
+            <a:schemeClr val="tx2"/>
           </a:solidFill>
           <a:ln w="0">
             <a:noFill/>
@@ -3686,7 +3682,7 @@
     </p:spTree>
     <p:extLst>
       <p:ext uri="{BB962C8B-B14F-4D97-AF65-F5344CB8AC3E}">
-        <p14:creationId xmlns:p14="http://schemas.microsoft.com/office/powerpoint/2010/main" val="3002693154"/>
+        <p14:creationId xmlns:p14="http://schemas.microsoft.com/office/powerpoint/2010/main" val="3641927926"/>
       </p:ext>
     </p:extLst>
   </p:cSld>
@@ -4012,7 +4008,7 @@
     </p:spTree>
     <p:extLst>
       <p:ext uri="{BB962C8B-B14F-4D97-AF65-F5344CB8AC3E}">
-        <p14:creationId xmlns:p14="http://schemas.microsoft.com/office/powerpoint/2010/main" val="3078507210"/>
+        <p14:creationId xmlns:p14="http://schemas.microsoft.com/office/powerpoint/2010/main" val="1309707607"/>
       </p:ext>
     </p:extLst>
   </p:cSld>
@@ -4503,7 +4499,7 @@
     </p:spTree>
     <p:extLst>
       <p:ext uri="{BB962C8B-B14F-4D97-AF65-F5344CB8AC3E}">
-        <p14:creationId xmlns:p14="http://schemas.microsoft.com/office/powerpoint/2010/main" val="2760044893"/>
+        <p14:creationId xmlns:p14="http://schemas.microsoft.com/office/powerpoint/2010/main" val="2287407340"/>
       </p:ext>
     </p:extLst>
   </p:cSld>
@@ -4635,7 +4631,7 @@
     </p:spTree>
     <p:extLst>
       <p:ext uri="{BB962C8B-B14F-4D97-AF65-F5344CB8AC3E}">
-        <p14:creationId xmlns:p14="http://schemas.microsoft.com/office/powerpoint/2010/main" val="1580695914"/>
+        <p14:creationId xmlns:p14="http://schemas.microsoft.com/office/powerpoint/2010/main" val="3165589765"/>
       </p:ext>
     </p:extLst>
   </p:cSld>
@@ -4745,7 +4741,7 @@
     </p:spTree>
     <p:extLst>
       <p:ext uri="{BB962C8B-B14F-4D97-AF65-F5344CB8AC3E}">
-        <p14:creationId xmlns:p14="http://schemas.microsoft.com/office/powerpoint/2010/main" val="3001361325"/>
+        <p14:creationId xmlns:p14="http://schemas.microsoft.com/office/powerpoint/2010/main" val="2747491018"/>
       </p:ext>
     </p:extLst>
   </p:cSld>
@@ -4774,7 +4770,7 @@
       </p:grpSpPr>
       <p:sp>
         <p:nvSpPr>
-          <p:cNvPr id="8" name="Rectangle 7"/>
+          <p:cNvPr id="8" name="Rectangle 7" title="Background Shape"/>
           <p:cNvSpPr/>
           <p:nvPr/>
         </p:nvSpPr>
@@ -5130,7 +5126,7 @@
       </p:sp>
       <p:sp>
         <p:nvSpPr>
-          <p:cNvPr id="9" name="Rectangle 8"/>
+          <p:cNvPr id="9" name="Rectangle 8" title="Divider Bar"/>
           <p:cNvSpPr/>
           <p:nvPr/>
         </p:nvSpPr>
@@ -5169,7 +5165,7 @@
     </p:spTree>
     <p:extLst>
       <p:ext uri="{BB962C8B-B14F-4D97-AF65-F5344CB8AC3E}">
-        <p14:creationId xmlns:p14="http://schemas.microsoft.com/office/powerpoint/2010/main" val="4251062680"/>
+        <p14:creationId xmlns:p14="http://schemas.microsoft.com/office/powerpoint/2010/main" val="1715003781"/>
       </p:ext>
     </p:extLst>
   </p:cSld>
@@ -5440,7 +5436,7 @@
       </p:grpSpPr>
       <p:sp>
         <p:nvSpPr>
-          <p:cNvPr id="8" name="Rectangle 7"/>
+          <p:cNvPr id="8" name="Rectangle 7" title="Background Shape"/>
           <p:cNvSpPr/>
           <p:nvPr/>
         </p:nvSpPr>
@@ -5774,7 +5770,7 @@
       </p:sp>
       <p:sp>
         <p:nvSpPr>
-          <p:cNvPr id="9" name="Rectangle 8"/>
+          <p:cNvPr id="9" name="Rectangle 8" title="Divider Bar"/>
           <p:cNvSpPr/>
           <p:nvPr/>
         </p:nvSpPr>
@@ -5813,7 +5809,7 @@
     </p:spTree>
     <p:extLst>
       <p:ext uri="{BB962C8B-B14F-4D97-AF65-F5344CB8AC3E}">
-        <p14:creationId xmlns:p14="http://schemas.microsoft.com/office/powerpoint/2010/main" val="1919097515"/>
+        <p14:creationId xmlns:p14="http://schemas.microsoft.com/office/powerpoint/2010/main" val="3391434021"/>
       </p:ext>
     </p:extLst>
   </p:cSld>
@@ -6003,7 +5999,7 @@
     </p:spTree>
     <p:extLst>
       <p:ext uri="{BB962C8B-B14F-4D97-AF65-F5344CB8AC3E}">
-        <p14:creationId xmlns:p14="http://schemas.microsoft.com/office/powerpoint/2010/main" val="387806655"/>
+        <p14:creationId xmlns:p14="http://schemas.microsoft.com/office/powerpoint/2010/main" val="4057840762"/>
       </p:ext>
     </p:extLst>
   </p:cSld>
@@ -6197,7 +6193,7 @@
     </p:spTree>
     <p:extLst>
       <p:ext uri="{BB962C8B-B14F-4D97-AF65-F5344CB8AC3E}">
-        <p14:creationId xmlns:p14="http://schemas.microsoft.com/office/powerpoint/2010/main" val="4195418668"/>
+        <p14:creationId xmlns:p14="http://schemas.microsoft.com/office/powerpoint/2010/main" val="486062279"/>
       </p:ext>
     </p:extLst>
   </p:cSld>
@@ -10092,7 +10088,7 @@
             <a:fld id="{87DE6118-2437-4B30-8E3C-4D2BE6020583}" type="datetimeFigureOut">
               <a:rPr lang="en-US" dirty="0"/>
               <a:pPr/>
-              <a:t>1/17/2020</a:t>
+              <a:t>1/21/2020</a:t>
             </a:fld>
             <a:endParaRPr lang="en-US" dirty="0"/>
           </a:p>
@@ -10192,7 +10188,7 @@
       </p:sp>
       <p:sp>
         <p:nvSpPr>
-          <p:cNvPr id="9" name="Rectangle 8"/>
+          <p:cNvPr id="9" name="Rectangle 8" title="Side bar"/>
           <p:cNvSpPr/>
           <p:nvPr/>
         </p:nvSpPr>
@@ -10231,23 +10227,23 @@
     </p:spTree>
     <p:extLst>
       <p:ext uri="{BB962C8B-B14F-4D97-AF65-F5344CB8AC3E}">
-        <p14:creationId xmlns:p14="http://schemas.microsoft.com/office/powerpoint/2010/main" val="1980486277"/>
+        <p14:creationId xmlns:p14="http://schemas.microsoft.com/office/powerpoint/2010/main" val="2593161067"/>
       </p:ext>
     </p:extLst>
   </p:cSld>
   <p:clrMap bg1="lt1" tx1="dk1" bg2="lt2" tx2="dk2" accent1="accent1" accent2="accent2" accent3="accent3" accent4="accent4" accent5="accent5" accent6="accent6" hlink="hlink" folHlink="folHlink"/>
   <p:sldLayoutIdLst>
-    <p:sldLayoutId id="2147483721" r:id="rId1"/>
-    <p:sldLayoutId id="2147483722" r:id="rId2"/>
-    <p:sldLayoutId id="2147483723" r:id="rId3"/>
-    <p:sldLayoutId id="2147483724" r:id="rId4"/>
-    <p:sldLayoutId id="2147483725" r:id="rId5"/>
-    <p:sldLayoutId id="2147483726" r:id="rId6"/>
-    <p:sldLayoutId id="2147483727" r:id="rId7"/>
-    <p:sldLayoutId id="2147483728" r:id="rId8"/>
-    <p:sldLayoutId id="2147483729" r:id="rId9"/>
-    <p:sldLayoutId id="2147483730" r:id="rId10"/>
-    <p:sldLayoutId id="2147483731" r:id="rId11"/>
+    <p:sldLayoutId id="2147483733" r:id="rId1"/>
+    <p:sldLayoutId id="2147483734" r:id="rId2"/>
+    <p:sldLayoutId id="2147483735" r:id="rId3"/>
+    <p:sldLayoutId id="2147483736" r:id="rId4"/>
+    <p:sldLayoutId id="2147483737" r:id="rId5"/>
+    <p:sldLayoutId id="2147483738" r:id="rId6"/>
+    <p:sldLayoutId id="2147483739" r:id="rId7"/>
+    <p:sldLayoutId id="2147483740" r:id="rId8"/>
+    <p:sldLayoutId id="2147483741" r:id="rId9"/>
+    <p:sldLayoutId id="2147483742" r:id="rId10"/>
+    <p:sldLayoutId id="2147483743" r:id="rId11"/>
   </p:sldLayoutIdLst>
   <p:hf sldNum="0" hdr="0" ftr="0" dt="0"/>
   <p:txStyles>
@@ -10557,7 +10553,7 @@
       </a:lvl9pPr>
     </p:otherStyle>
   </p:txStyles>
-  <p:extLst mod="1">
+  <p:extLst>
     <p:ext uri="{27BBF7A9-308A-43DC-89C8-2F10F3537804}">
       <p15:sldGuideLst xmlns:p15="http://schemas.microsoft.com/office/powerpoint/2012/main">
         <p15:guide id="3" orient="horz" pos="1368">
@@ -10625,46 +10621,6 @@
       </p:grpSpPr>
       <p:sp>
         <p:nvSpPr>
-          <p:cNvPr id="204" name="Google Shape;204;p37"/>
-          <p:cNvSpPr/>
-          <p:nvPr/>
-        </p:nvSpPr>
-        <p:spPr>
-          <a:xfrm>
-            <a:off x="1003225" y="881675"/>
-            <a:ext cx="6092700" cy="1466400"/>
-          </a:xfrm>
-          <a:prstGeom prst="rect">
-            <a:avLst/>
-          </a:prstGeom>
-          <a:solidFill>
-            <a:schemeClr val="lt1"/>
-          </a:solidFill>
-          <a:ln>
-            <a:noFill/>
-          </a:ln>
-        </p:spPr>
-        <p:txBody>
-          <a:bodyPr spcFirstLastPara="1" wrap="square" lIns="91425" tIns="91425" rIns="91425" bIns="91425" anchor="ctr" anchorCtr="0">
-            <a:noAutofit/>
-          </a:bodyPr>
-          <a:lstStyle/>
-          <a:p>
-            <a:pPr marL="0" lvl="0" indent="0" algn="l" rtl="0">
-              <a:spcBef>
-                <a:spcPts val="0"/>
-              </a:spcBef>
-              <a:spcAft>
-                <a:spcPts val="0"/>
-              </a:spcAft>
-              <a:buNone/>
-            </a:pPr>
-            <a:endParaRPr/>
-          </a:p>
-        </p:txBody>
-      </p:sp>
-      <p:sp>
-        <p:nvSpPr>
           <p:cNvPr id="205" name="Google Shape;205;p37"/>
           <p:cNvSpPr txBox="1"/>
           <p:nvPr/>
@@ -10714,8 +10670,8 @@
         </p:nvSpPr>
         <p:spPr>
           <a:xfrm>
-            <a:off x="5132466" y="2601686"/>
-            <a:ext cx="3140678" cy="1632858"/>
+            <a:off x="5108359" y="2069300"/>
+            <a:ext cx="3120343" cy="2035150"/>
           </a:xfrm>
           <a:prstGeom prst="rect">
             <a:avLst/>
@@ -10741,13 +10697,22 @@
               <a:buNone/>
             </a:pPr>
             <a:r>
+              <a:rPr lang="es" sz="2400" b="1" dirty="0">
+                <a:latin typeface="Calibri"/>
+                <a:ea typeface="Calibri"/>
+                <a:cs typeface="Calibri"/>
+                <a:sym typeface="Calibri"/>
+              </a:rPr>
+              <a:t>Presentan</a:t>
+            </a:r>
+            <a:r>
               <a:rPr lang="es" sz="1600" b="1" dirty="0">
                 <a:latin typeface="Calibri"/>
                 <a:ea typeface="Calibri"/>
                 <a:cs typeface="Calibri"/>
                 <a:sym typeface="Calibri"/>
               </a:rPr>
-              <a:t>Presentan:</a:t>
+              <a:t>:</a:t>
             </a:r>
             <a:endParaRPr sz="1600" b="1" dirty="0">
               <a:latin typeface="Calibri"/>
@@ -10774,17 +10739,30 @@
             </a:endParaRPr>
           </a:p>
           <a:p>
-            <a:pPr marL="0" lvl="0" indent="0" algn="l" rtl="0">
-              <a:spcBef>
-                <a:spcPts val="0"/>
-              </a:spcBef>
-              <a:spcAft>
-                <a:spcPts val="0"/>
-              </a:spcAft>
-              <a:buNone/>
+            <a:pPr marL="342900" lvl="0" indent="-342900" algn="l" rtl="0">
+              <a:spcBef>
+                <a:spcPts val="0"/>
+              </a:spcBef>
+              <a:spcAft>
+                <a:spcPts val="0"/>
+              </a:spcAft>
+              <a:buFont typeface="Arial" panose="020B0604020202020204" pitchFamily="34" charset="0"/>
+              <a:buChar char="•"/>
             </a:pPr>
             <a:r>
-              <a:rPr lang="es" sz="2400" dirty="0" smtClean="0">
+              <a:rPr lang="es-MX" sz="2000" dirty="0">
+                <a:solidFill>
+                  <a:schemeClr val="dk1"/>
+                </a:solidFill>
+                <a:latin typeface="Calibri"/>
+                <a:ea typeface="Calibri"/>
+                <a:cs typeface="Calibri"/>
+                <a:sym typeface="Calibri"/>
+              </a:rPr>
+              <a:t>Flores </a:t>
+            </a:r>
+            <a:r>
+              <a:rPr lang="es" sz="2000" dirty="0">
                 <a:solidFill>
                   <a:schemeClr val="dk1"/>
                 </a:solidFill>
@@ -10797,17 +10775,12 @@
             </a:r>
           </a:p>
           <a:p>
-            <a:pPr marL="0" lvl="0" indent="0" algn="l" rtl="0">
-              <a:spcBef>
-                <a:spcPts val="0"/>
-              </a:spcBef>
-              <a:spcAft>
-                <a:spcPts val="0"/>
-              </a:spcAft>
-              <a:buNone/>
+            <a:pPr marL="342900" indent="-342900">
+              <a:buFont typeface="Arial" panose="020B0604020202020204" pitchFamily="34" charset="0"/>
+              <a:buChar char="•"/>
             </a:pPr>
             <a:r>
-              <a:rPr lang="es" sz="2400" dirty="0" smtClean="0">
+              <a:rPr lang="es" sz="2000" dirty="0">
                 <a:solidFill>
                   <a:schemeClr val="dk1"/>
                 </a:solidFill>
@@ -10816,21 +10789,43 @@
                 <a:cs typeface="Calibri"/>
                 <a:sym typeface="Calibri"/>
               </a:rPr>
-              <a:t>Diego</a:t>
+              <a:t>Perla </a:t>
             </a:r>
-          </a:p>
-          <a:p>
-            <a:pPr marL="0" lvl="0" indent="0" algn="l" rtl="0">
-              <a:spcBef>
-                <a:spcPts val="0"/>
-              </a:spcBef>
-              <a:spcAft>
-                <a:spcPts val="0"/>
-              </a:spcAft>
-              <a:buNone/>
+            <a:r>
+              <a:rPr lang="es-MX" sz="2000" dirty="0">
+                <a:solidFill>
+                  <a:schemeClr val="dk1"/>
+                </a:solidFill>
+                <a:latin typeface="Calibri"/>
+                <a:ea typeface="Calibri"/>
+                <a:cs typeface="Calibri"/>
+                <a:sym typeface="Calibri"/>
+              </a:rPr>
+              <a:t>Godínez</a:t>
+            </a:r>
+            <a:endParaRPr lang="es" sz="2000" dirty="0">
+              <a:solidFill>
+                <a:schemeClr val="dk1"/>
+              </a:solidFill>
+              <a:latin typeface="Calibri"/>
+              <a:ea typeface="Calibri"/>
+              <a:cs typeface="Calibri"/>
+              <a:sym typeface="Calibri"/>
+            </a:endParaRPr>
+          </a:p>
+          <a:p>
+            <a:pPr marL="342900" lvl="0" indent="-342900" algn="l" rtl="0">
+              <a:spcBef>
+                <a:spcPts val="0"/>
+              </a:spcBef>
+              <a:spcAft>
+                <a:spcPts val="0"/>
+              </a:spcAft>
+              <a:buFont typeface="Arial" panose="020B0604020202020204" pitchFamily="34" charset="0"/>
+              <a:buChar char="•"/>
             </a:pPr>
             <a:r>
-              <a:rPr lang="es" sz="2400" dirty="0" smtClean="0">
+              <a:rPr lang="es" sz="2000" dirty="0">
                 <a:solidFill>
                   <a:schemeClr val="dk1"/>
                 </a:solidFill>
@@ -10841,19 +10836,8 @@
               </a:rPr>
               <a:t>Andrés </a:t>
             </a:r>
-          </a:p>
-          <a:p>
-            <a:pPr marL="0" lvl="0" indent="0" algn="l" rtl="0">
-              <a:spcBef>
-                <a:spcPts val="0"/>
-              </a:spcBef>
-              <a:spcAft>
-                <a:spcPts val="0"/>
-              </a:spcAft>
-              <a:buNone/>
-            </a:pPr>
             <a:r>
-              <a:rPr lang="es" sz="2400" dirty="0" smtClean="0">
+              <a:rPr lang="es-MX" sz="2000" dirty="0">
                 <a:solidFill>
                   <a:schemeClr val="dk1"/>
                 </a:solidFill>
@@ -10862,15 +10846,57 @@
                 <a:cs typeface="Calibri"/>
                 <a:sym typeface="Calibri"/>
               </a:rPr>
-              <a:t>Perla</a:t>
+              <a:t>López</a:t>
             </a:r>
-            <a:endParaRPr sz="2400" dirty="0">
+            <a:endParaRPr lang="es" sz="2000" dirty="0">
+              <a:solidFill>
+                <a:schemeClr val="dk1"/>
+              </a:solidFill>
               <a:latin typeface="Calibri"/>
               <a:ea typeface="Calibri"/>
               <a:cs typeface="Calibri"/>
               <a:sym typeface="Calibri"/>
             </a:endParaRPr>
           </a:p>
+          <a:p>
+            <a:pPr marL="342900" indent="-342900">
+              <a:buFont typeface="Arial" panose="020B0604020202020204" pitchFamily="34" charset="0"/>
+              <a:buChar char="•"/>
+            </a:pPr>
+            <a:r>
+              <a:rPr lang="es" sz="2000" dirty="0">
+                <a:solidFill>
+                  <a:schemeClr val="dk1"/>
+                </a:solidFill>
+                <a:latin typeface="Calibri"/>
+                <a:ea typeface="Calibri"/>
+                <a:cs typeface="Calibri"/>
+                <a:sym typeface="Calibri"/>
+              </a:rPr>
+              <a:t>Diego </a:t>
+            </a:r>
+            <a:r>
+              <a:rPr lang="es-MX" sz="2000" dirty="0">
+                <a:solidFill>
+                  <a:schemeClr val="dk1"/>
+                </a:solidFill>
+                <a:latin typeface="Calibri"/>
+                <a:ea typeface="Calibri"/>
+                <a:cs typeface="Calibri"/>
+                <a:sym typeface="Calibri"/>
+              </a:rPr>
+              <a:t>Rodríguez</a:t>
+            </a:r>
+            <a:endParaRPr lang="es" sz="2000" dirty="0">
+              <a:solidFill>
+                <a:schemeClr val="dk1"/>
+              </a:solidFill>
+              <a:latin typeface="Calibri"/>
+              <a:ea typeface="Calibri"/>
+              <a:cs typeface="Calibri"/>
+              <a:sym typeface="Calibri"/>
+            </a:endParaRPr>
+          </a:p>
         </p:txBody>
       </p:sp>
       <p:sp>
@@ -10881,8 +10907,8 @@
         </p:nvSpPr>
         <p:spPr>
           <a:xfrm>
-            <a:off x="887944" y="860374"/>
-            <a:ext cx="6322153" cy="1435149"/>
+            <a:off x="1153759" y="912926"/>
+            <a:ext cx="5566018" cy="1447502"/>
           </a:xfrm>
           <a:prstGeom prst="rect">
             <a:avLst/>
@@ -10908,41 +10934,42 @@
               <a:buNone/>
             </a:pPr>
             <a:r>
-              <a:rPr lang="es" sz="3600" b="1" dirty="0" smtClean="0">
+              <a:rPr lang="es-ES" sz="3600" b="1" dirty="0">
                 <a:latin typeface="Calibri"/>
                 <a:ea typeface="Calibri"/>
                 <a:cs typeface="Calibri"/>
                 <a:sym typeface="Calibri"/>
               </a:rPr>
-              <a:t>Sistema Web App para    Gestion Medica</a:t>
+              <a:t>Consultorio Médico</a:t>
             </a:r>
-            <a:endParaRPr sz="3600" b="1" dirty="0">
-              <a:latin typeface="Calibri"/>
-              <a:ea typeface="Calibri"/>
-              <a:cs typeface="Calibri"/>
-              <a:sym typeface="Calibri"/>
-            </a:endParaRPr>
-          </a:p>
-          <a:p>
-            <a:pPr marL="0" lvl="0" indent="0" algn="l" rtl="0">
-              <a:spcBef>
-                <a:spcPts val="0"/>
-              </a:spcBef>
-              <a:spcAft>
-                <a:spcPts val="0"/>
-              </a:spcAft>
-              <a:buNone/>
-            </a:pPr>
             <a:r>
-              <a:rPr lang="es" sz="3300" b="1" dirty="0">
+              <a:rPr lang="es" sz="3600" b="1" dirty="0">
                 <a:latin typeface="Calibri"/>
                 <a:ea typeface="Calibri"/>
                 <a:cs typeface="Calibri"/>
                 <a:sym typeface="Calibri"/>
               </a:rPr>
-              <a:t>java backend</a:t>
+              <a:t> </a:t>
             </a:r>
-            <a:endParaRPr sz="3300" b="1" dirty="0">
+            <a:r>
+              <a:rPr lang="es-MX" sz="3600" b="1" dirty="0">
+                <a:latin typeface="Calibri"/>
+                <a:ea typeface="Calibri"/>
+                <a:cs typeface="Calibri"/>
+                <a:sym typeface="Calibri"/>
+              </a:rPr>
+              <a:t>con Java Spring </a:t>
+            </a:r>
+            <a:r>
+              <a:rPr lang="es-MX" sz="3600" b="1" dirty="0" err="1">
+                <a:latin typeface="Calibri"/>
+                <a:ea typeface="Calibri"/>
+                <a:cs typeface="Calibri"/>
+                <a:sym typeface="Calibri"/>
+              </a:rPr>
+              <a:t>Boot</a:t>
+            </a:r>
+            <a:endParaRPr sz="3600" b="1" dirty="0">
               <a:latin typeface="Calibri"/>
               <a:ea typeface="Calibri"/>
               <a:cs typeface="Calibri"/>
@@ -10973,7 +11000,7 @@
         </p:blipFill>
         <p:spPr>
           <a:xfrm>
-            <a:off x="1499054" y="2676427"/>
+            <a:off x="1419635" y="2368769"/>
             <a:ext cx="3052725" cy="2035150"/>
           </a:xfrm>
           <a:prstGeom prst="rect">
@@ -11012,13 +11039,6 @@
   <p:clrMapOvr>
     <a:masterClrMapping/>
   </p:clrMapOvr>
-  <p:timing>
-    <p:tnLst>
-      <p:par>
-        <p:cTn id="1" dur="indefinite" restart="never" nodeType="tmRoot"/>
-      </p:par>
-    </p:tnLst>
-  </p:timing>
 </p:sld>
 </file>
 
@@ -11242,13 +11262,6 @@
   <p:clrMapOvr>
     <a:masterClrMapping/>
   </p:clrMapOvr>
-  <p:timing>
-    <p:tnLst>
-      <p:par>
-        <p:cTn id="1" dur="indefinite" restart="never" nodeType="tmRoot"/>
-      </p:par>
-    </p:tnLst>
-  </p:timing>
 </p:sld>
 </file>
 
@@ -11269,66 +11282,6 @@
           <a:chExt cx="0" cy="0"/>
         </a:xfrm>
       </p:grpSpPr>
-      <p:sp useBgFill="1">
-        <p:nvSpPr>
-          <p:cNvPr id="237" name="Rectangle 111">
-            <a:extLst>
-              <a:ext uri="{FF2B5EF4-FFF2-40B4-BE49-F238E27FC236}">
-                <a16:creationId xmlns:a16="http://schemas.microsoft.com/office/drawing/2014/main" id="{32812C54-7AEF-4ABB-826E-221F51CB0F30}"/>
-              </a:ext>
-              <a:ext uri="{C183D7F6-B498-43B3-948B-1728B52AA6E4}">
-                <adec:decorative xmlns="" xmlns:adec="http://schemas.microsoft.com/office/drawing/2017/decorative" val="1"/>
-              </a:ext>
-            </a:extLst>
-          </p:cNvPr>
-          <p:cNvSpPr>
-            <a:spLocks noGrp="1" noRot="1" noChangeAspect="1" noMove="1" noResize="1" noEditPoints="1" noAdjustHandles="1" noChangeArrowheads="1" noChangeShapeType="1" noTextEdit="1"/>
-          </p:cNvSpPr>
-          <p:nvPr>
-            <p:extLst>
-              <p:ext uri="{386F3935-93C4-4BCD-93E2-E3B085C9AB24}">
-                <p16:designElem xmlns:p16="http://schemas.microsoft.com/office/powerpoint/2015/main" val="1"/>
-              </p:ext>
-            </p:extLst>
-          </p:nvPr>
-        </p:nvSpPr>
-        <p:spPr>
-          <a:xfrm>
-            <a:off x="0" y="0"/>
-            <a:ext cx="9144000" cy="5143500"/>
-          </a:xfrm>
-          <a:prstGeom prst="rect">
-            <a:avLst/>
-          </a:prstGeom>
-          <a:ln>
-            <a:noFill/>
-          </a:ln>
-        </p:spPr>
-        <p:style>
-          <a:lnRef idx="2">
-            <a:schemeClr val="accent1">
-              <a:shade val="50000"/>
-            </a:schemeClr>
-          </a:lnRef>
-          <a:fillRef idx="1">
-            <a:schemeClr val="accent1"/>
-          </a:fillRef>
-          <a:effectRef idx="0">
-            <a:schemeClr val="accent1"/>
-          </a:effectRef>
-          <a:fontRef idx="minor">
-            <a:schemeClr val="lt1"/>
-          </a:fontRef>
-        </p:style>
-        <p:txBody>
-          <a:bodyPr rtlCol="0" anchor="ctr"/>
-          <a:lstStyle/>
-          <a:p>
-            <a:pPr algn="ctr"/>
-            <a:endParaRPr lang="en-US"/>
-          </a:p>
-        </p:txBody>
-      </p:sp>
       <p:sp>
         <p:nvSpPr>
           <p:cNvPr id="233" name="Google Shape;233;p41"/>
@@ -11362,7 +11315,7 @@
               </a:spcAft>
             </a:pPr>
             <a:r>
-              <a:rPr lang="en-US" sz="4400" b="1" kern="1200" dirty="0" err="1" smtClean="0">
+              <a:rPr lang="en-US" sz="4400" b="1" kern="1200" dirty="0" err="1">
                 <a:solidFill>
                   <a:schemeClr val="tx2"/>
                 </a:solidFill>
@@ -11371,10 +11324,10 @@
                 <a:cs typeface="+mj-cs"/>
                 <a:sym typeface="Proxima Nova"/>
               </a:rPr>
-              <a:t>Nombre</a:t>
+              <a:t>Consultorio</a:t>
             </a:r>
             <a:r>
-              <a:rPr lang="en-US" sz="4400" b="1" kern="1200" dirty="0" smtClean="0">
+              <a:rPr lang="en-US" sz="4400" b="1" kern="1200" dirty="0">
                 <a:solidFill>
                   <a:schemeClr val="tx2"/>
                 </a:solidFill>
@@ -11383,10 +11336,10 @@
                 <a:cs typeface="+mj-cs"/>
                 <a:sym typeface="Proxima Nova"/>
               </a:rPr>
-              <a:t> del </a:t>
+              <a:t> </a:t>
             </a:r>
             <a:r>
-              <a:rPr lang="en-US" sz="4400" b="1" kern="1200" dirty="0" err="1" smtClean="0">
+              <a:rPr lang="en-US" sz="4400" b="1" kern="1200" dirty="0" err="1">
                 <a:solidFill>
                   <a:schemeClr val="tx2"/>
                 </a:solidFill>
@@ -11395,7 +11348,7 @@
                 <a:cs typeface="+mj-cs"/>
                 <a:sym typeface="Proxima Nova"/>
               </a:rPr>
-              <a:t>sistema</a:t>
+              <a:t>Médico</a:t>
             </a:r>
             <a:endParaRPr lang="en-US" sz="4400" b="1" kern="1200" dirty="0">
               <a:solidFill>
@@ -11411,124 +11364,14 @@
       </p:sp>
       <p:sp>
         <p:nvSpPr>
-          <p:cNvPr id="238" name="Rectangle 113">
-            <a:extLst>
-              <a:ext uri="{FF2B5EF4-FFF2-40B4-BE49-F238E27FC236}">
-                <a16:creationId xmlns:a16="http://schemas.microsoft.com/office/drawing/2014/main" id="{891F40E4-8A76-44CF-91EC-907367352626}"/>
-              </a:ext>
-              <a:ext uri="{C183D7F6-B498-43B3-948B-1728B52AA6E4}">
-                <adec:decorative xmlns="" xmlns:adec="http://schemas.microsoft.com/office/drawing/2017/decorative" val="1"/>
-              </a:ext>
-            </a:extLst>
-          </p:cNvPr>
-          <p:cNvSpPr>
-            <a:spLocks noGrp="1" noRot="1" noChangeAspect="1" noMove="1" noResize="1" noEditPoints="1" noAdjustHandles="1" noChangeArrowheads="1" noChangeShapeType="1" noTextEdit="1"/>
-          </p:cNvSpPr>
-          <p:nvPr>
-            <p:extLst>
-              <p:ext uri="{386F3935-93C4-4BCD-93E2-E3B085C9AB24}">
-                <p16:designElem xmlns:p16="http://schemas.microsoft.com/office/powerpoint/2015/main" val="1"/>
-              </p:ext>
-            </p:extLst>
-          </p:nvPr>
-        </p:nvSpPr>
-        <p:spPr>
-          <a:xfrm>
-            <a:off x="0" y="282"/>
-            <a:ext cx="2283308" cy="5143218"/>
-          </a:xfrm>
-          <a:prstGeom prst="rect">
-            <a:avLst/>
-          </a:prstGeom>
-          <a:solidFill>
-            <a:schemeClr val="accent1"/>
-          </a:solidFill>
-          <a:ln>
-            <a:noFill/>
-          </a:ln>
-        </p:spPr>
-        <p:style>
-          <a:lnRef idx="2">
-            <a:schemeClr val="accent1">
-              <a:shade val="50000"/>
-            </a:schemeClr>
-          </a:lnRef>
-          <a:fillRef idx="1">
-            <a:schemeClr val="accent1"/>
-          </a:fillRef>
-          <a:effectRef idx="0">
-            <a:schemeClr val="accent1"/>
-          </a:effectRef>
-          <a:fontRef idx="minor">
-            <a:schemeClr val="lt1"/>
-          </a:fontRef>
-        </p:style>
-      </p:sp>
-      <p:sp>
-        <p:nvSpPr>
-          <p:cNvPr id="239" name="Rectangle 115">
-            <a:extLst>
-              <a:ext uri="{FF2B5EF4-FFF2-40B4-BE49-F238E27FC236}">
-                <a16:creationId xmlns:a16="http://schemas.microsoft.com/office/drawing/2014/main" id="{72171013-D973-4187-9CF2-EE098EEF8194}"/>
-              </a:ext>
-              <a:ext uri="{C183D7F6-B498-43B3-948B-1728B52AA6E4}">
-                <adec:decorative xmlns="" xmlns:adec="http://schemas.microsoft.com/office/drawing/2017/decorative" val="1"/>
-              </a:ext>
-            </a:extLst>
-          </p:cNvPr>
-          <p:cNvSpPr>
-            <a:spLocks noGrp="1" noRot="1" noChangeAspect="1" noMove="1" noResize="1" noEditPoints="1" noAdjustHandles="1" noChangeArrowheads="1" noChangeShapeType="1" noTextEdit="1"/>
-          </p:cNvSpPr>
-          <p:nvPr>
-            <p:extLst>
-              <p:ext uri="{386F3935-93C4-4BCD-93E2-E3B085C9AB24}">
-                <p16:designElem xmlns:p16="http://schemas.microsoft.com/office/powerpoint/2015/main" val="1"/>
-              </p:ext>
-            </p:extLst>
-          </p:nvPr>
-        </p:nvSpPr>
-        <p:spPr>
-          <a:xfrm>
-            <a:off x="2111857" y="282"/>
-            <a:ext cx="171450" cy="5143500"/>
-          </a:xfrm>
-          <a:prstGeom prst="rect">
-            <a:avLst/>
-          </a:prstGeom>
-          <a:solidFill>
-            <a:schemeClr val="tx2"/>
-          </a:solidFill>
-          <a:ln>
-            <a:noFill/>
-          </a:ln>
-        </p:spPr>
-        <p:style>
-          <a:lnRef idx="2">
-            <a:schemeClr val="accent1">
-              <a:shade val="50000"/>
-            </a:schemeClr>
-          </a:lnRef>
-          <a:fillRef idx="1">
-            <a:schemeClr val="accent1"/>
-          </a:fillRef>
-          <a:effectRef idx="0">
-            <a:schemeClr val="accent1"/>
-          </a:effectRef>
-          <a:fontRef idx="minor">
-            <a:schemeClr val="lt1"/>
-          </a:fontRef>
-        </p:style>
-      </p:sp>
-      <p:sp>
-        <p:nvSpPr>
           <p:cNvPr id="235" name="Google Shape;235;p41"/>
           <p:cNvSpPr txBox="1"/>
           <p:nvPr/>
         </p:nvSpPr>
         <p:spPr>
           <a:xfrm>
-            <a:off x="2522898" y="1714500"/>
-            <a:ext cx="6379364" cy="2686050"/>
+            <a:off x="2427890" y="1714500"/>
+            <a:ext cx="6474372" cy="2686050"/>
           </a:xfrm>
           <a:prstGeom prst="rect">
             <a:avLst/>
@@ -11542,18 +11385,18 @@
           <a:p>
             <a:pPr lvl="0"/>
             <a:r>
-              <a:rPr lang="es-ES" sz="2000" b="1" dirty="0" smtClean="0">
+              <a:rPr lang="es-ES" sz="2400" b="1" dirty="0">
                 <a:latin typeface="Calibri"/>
                 <a:ea typeface="Calibri"/>
                 <a:cs typeface="Calibri"/>
                 <a:sym typeface="Calibri"/>
               </a:rPr>
-              <a:t>Es una plataforma web donde  pueden:</a:t>
+              <a:t>Es una aplicación java donde:</a:t>
             </a:r>
           </a:p>
           <a:p>
             <a:pPr lvl="0"/>
-            <a:endParaRPr lang="es-ES" b="1" dirty="0" smtClean="0">
+            <a:endParaRPr lang="es-ES" sz="1600" b="1" dirty="0">
               <a:latin typeface="Calibri"/>
               <a:ea typeface="Calibri"/>
               <a:cs typeface="Calibri"/>
@@ -11561,64 +11404,76 @@
             </a:endParaRPr>
           </a:p>
           <a:p>
-            <a:pPr lvl="0"/>
+            <a:pPr marL="285750" lvl="0" indent="-285750">
+              <a:buFont typeface="Arial" panose="020B0604020202020204" pitchFamily="34" charset="0"/>
+              <a:buChar char="•"/>
+            </a:pPr>
             <a:r>
-              <a:rPr lang="es-ES" sz="1800" b="1" dirty="0" smtClean="0">
+              <a:rPr lang="es-ES" sz="2000" b="1" dirty="0">
                 <a:latin typeface="Calibri"/>
                 <a:ea typeface="Calibri"/>
                 <a:cs typeface="Calibri"/>
                 <a:sym typeface="Calibri"/>
               </a:rPr>
-              <a:t>  -Agendar cita desde cualquier   lugar.</a:t>
+              <a:t>Los clientes pueden agendar citas con médicos.</a:t>
             </a:r>
           </a:p>
           <a:p>
-            <a:pPr lvl="0"/>
+            <a:pPr marL="285750" lvl="0" indent="-285750">
+              <a:buFont typeface="Arial" panose="020B0604020202020204" pitchFamily="34" charset="0"/>
+              <a:buChar char="•"/>
+            </a:pPr>
             <a:r>
-              <a:rPr lang="es-ES" sz="1800" b="1" dirty="0" smtClean="0">
+              <a:rPr lang="es-ES" sz="2000" b="1" dirty="0">
                 <a:latin typeface="Calibri"/>
                 <a:ea typeface="Calibri"/>
                 <a:cs typeface="Calibri"/>
                 <a:sym typeface="Calibri"/>
               </a:rPr>
-              <a:t>  -El paciente puede ver </a:t>
+              <a:t>El paciente puede ver los horarios disponibles.</a:t>
             </a:r>
           </a:p>
           <a:p>
-            <a:pPr lvl="0"/>
+            <a:pPr marL="285750" lvl="0" indent="-285750">
+              <a:buFont typeface="Arial" panose="020B0604020202020204" pitchFamily="34" charset="0"/>
+              <a:buChar char="•"/>
+            </a:pPr>
             <a:r>
-              <a:rPr lang="es-ES" sz="1800" b="1" dirty="0" smtClean="0">
+              <a:rPr lang="es-ES" sz="2000" b="1" dirty="0">
                 <a:latin typeface="Calibri"/>
                 <a:ea typeface="Calibri"/>
                 <a:cs typeface="Calibri"/>
                 <a:sym typeface="Calibri"/>
               </a:rPr>
-              <a:t>  -El medico puede adjuntar archivos al expediente del paciente.</a:t>
+              <a:t>Con cada cita se genera un expediente para llevar seguimiento.</a:t>
             </a:r>
           </a:p>
           <a:p>
-            <a:pPr lvl="0"/>
+            <a:pPr marL="285750" lvl="0" indent="-285750">
+              <a:buFont typeface="Arial" panose="020B0604020202020204" pitchFamily="34" charset="0"/>
+              <a:buChar char="•"/>
+            </a:pPr>
             <a:r>
-              <a:rPr lang="es-ES" sz="1800" b="1" dirty="0" smtClean="0">
+              <a:rPr lang="es-ES" sz="2000" b="1" dirty="0">
                 <a:latin typeface="Calibri"/>
                 <a:ea typeface="Calibri"/>
                 <a:cs typeface="Calibri"/>
                 <a:sym typeface="Calibri"/>
               </a:rPr>
-              <a:t>  -Datos personales del paciente.</a:t>
+              <a:t>Datos personales del paciente.</a:t>
             </a:r>
           </a:p>
           <a:p>
-            <a:pPr lvl="0"/>
-            <a:r>
-              <a:rPr lang="es-ES" b="1" dirty="0" smtClean="0">
-                <a:latin typeface="Calibri"/>
-                <a:ea typeface="Calibri"/>
-                <a:cs typeface="Calibri"/>
-                <a:sym typeface="Calibri"/>
-              </a:rPr>
-              <a:t>  </a:t>
-            </a:r>
+            <a:pPr marL="285750" lvl="0" indent="-285750">
+              <a:buFont typeface="Arial" panose="020B0604020202020204" pitchFamily="34" charset="0"/>
+              <a:buChar char="•"/>
+            </a:pPr>
+            <a:endParaRPr lang="es-ES" b="1" dirty="0">
+              <a:latin typeface="Calibri"/>
+              <a:ea typeface="Calibri"/>
+              <a:cs typeface="Calibri"/>
+              <a:sym typeface="Calibri"/>
+            </a:endParaRPr>
           </a:p>
           <a:p>
             <a:pPr marL="457200" lvl="0" indent="-384048">
@@ -11634,7 +11489,7 @@
               <a:buFont typeface="Franklin Gothic Book" panose="020B0503020102020204" pitchFamily="34" charset="0"/>
               <a:buNone/>
             </a:pPr>
-            <a:endParaRPr lang="es-ES" kern="1200" dirty="0" smtClean="0">
+            <a:endParaRPr lang="es-ES" kern="1200" dirty="0">
               <a:solidFill>
                 <a:schemeClr val="tx2"/>
               </a:solidFill>
@@ -11718,7 +11573,7 @@
         </p:blipFill>
         <p:spPr bwMode="auto">
           <a:xfrm>
-            <a:off x="147146" y="0"/>
+            <a:off x="514020" y="1"/>
             <a:ext cx="1828799" cy="5143499"/>
           </a:xfrm>
           <a:prstGeom prst="rect">
@@ -11758,13 +11613,6 @@
   <p:clrMapOvr>
     <a:masterClrMapping/>
   </p:clrMapOvr>
-  <p:timing>
-    <p:tnLst>
-      <p:par>
-        <p:cTn id="1" dur="indefinite" restart="never" nodeType="tmRoot"/>
-      </p:par>
-    </p:tnLst>
-  </p:timing>
 </p:sld>
 </file>
 
@@ -11793,66 +11641,6 @@
           <a:chExt cx="0" cy="0"/>
         </a:xfrm>
       </p:grpSpPr>
-      <p:sp useBgFill="1">
-        <p:nvSpPr>
-          <p:cNvPr id="237" name="Rectangle 111">
-            <a:extLst>
-              <a:ext uri="{FF2B5EF4-FFF2-40B4-BE49-F238E27FC236}">
-                <a16:creationId xmlns:a16="http://schemas.microsoft.com/office/drawing/2014/main" id="{32812C54-7AEF-4ABB-826E-221F51CB0F30}"/>
-              </a:ext>
-              <a:ext uri="{C183D7F6-B498-43B3-948B-1728B52AA6E4}">
-                <adec:decorative xmlns="" xmlns:adec="http://schemas.microsoft.com/office/drawing/2017/decorative" val="1"/>
-              </a:ext>
-            </a:extLst>
-          </p:cNvPr>
-          <p:cNvSpPr>
-            <a:spLocks noGrp="1" noRot="1" noChangeAspect="1" noMove="1" noResize="1" noEditPoints="1" noAdjustHandles="1" noChangeArrowheads="1" noChangeShapeType="1" noTextEdit="1"/>
-          </p:cNvSpPr>
-          <p:nvPr>
-            <p:extLst>
-              <p:ext uri="{386F3935-93C4-4BCD-93E2-E3B085C9AB24}">
-                <p16:designElem xmlns:p16="http://schemas.microsoft.com/office/powerpoint/2015/main" val="1"/>
-              </p:ext>
-            </p:extLst>
-          </p:nvPr>
-        </p:nvSpPr>
-        <p:spPr>
-          <a:xfrm>
-            <a:off x="0" y="0"/>
-            <a:ext cx="9144000" cy="5143500"/>
-          </a:xfrm>
-          <a:prstGeom prst="rect">
-            <a:avLst/>
-          </a:prstGeom>
-          <a:ln>
-            <a:noFill/>
-          </a:ln>
-        </p:spPr>
-        <p:style>
-          <a:lnRef idx="2">
-            <a:schemeClr val="accent1">
-              <a:shade val="50000"/>
-            </a:schemeClr>
-          </a:lnRef>
-          <a:fillRef idx="1">
-            <a:schemeClr val="accent1"/>
-          </a:fillRef>
-          <a:effectRef idx="0">
-            <a:schemeClr val="accent1"/>
-          </a:effectRef>
-          <a:fontRef idx="minor">
-            <a:schemeClr val="lt1"/>
-          </a:fontRef>
-        </p:style>
-        <p:txBody>
-          <a:bodyPr rtlCol="0" anchor="ctr"/>
-          <a:lstStyle/>
-          <a:p>
-            <a:pPr algn="ctr"/>
-            <a:endParaRPr lang="en-US"/>
-          </a:p>
-        </p:txBody>
-      </p:sp>
       <p:sp>
         <p:nvSpPr>
           <p:cNvPr id="233" name="Google Shape;233;p41"/>
@@ -11886,7 +11674,7 @@
               </a:spcAft>
             </a:pPr>
             <a:r>
-              <a:rPr lang="en-US" sz="4400" b="1" kern="1200" dirty="0" err="1" smtClean="0">
+              <a:rPr lang="en-US" sz="4400" b="1" kern="1200" dirty="0" err="1">
                 <a:solidFill>
                   <a:schemeClr val="tx2"/>
                 </a:solidFill>
@@ -11911,124 +11699,14 @@
       </p:sp>
       <p:sp>
         <p:nvSpPr>
-          <p:cNvPr id="238" name="Rectangle 113">
-            <a:extLst>
-              <a:ext uri="{FF2B5EF4-FFF2-40B4-BE49-F238E27FC236}">
-                <a16:creationId xmlns:a16="http://schemas.microsoft.com/office/drawing/2014/main" id="{891F40E4-8A76-44CF-91EC-907367352626}"/>
-              </a:ext>
-              <a:ext uri="{C183D7F6-B498-43B3-948B-1728B52AA6E4}">
-                <adec:decorative xmlns="" xmlns:adec="http://schemas.microsoft.com/office/drawing/2017/decorative" val="1"/>
-              </a:ext>
-            </a:extLst>
-          </p:cNvPr>
-          <p:cNvSpPr>
-            <a:spLocks noGrp="1" noRot="1" noChangeAspect="1" noMove="1" noResize="1" noEditPoints="1" noAdjustHandles="1" noChangeArrowheads="1" noChangeShapeType="1" noTextEdit="1"/>
-          </p:cNvSpPr>
-          <p:nvPr>
-            <p:extLst>
-              <p:ext uri="{386F3935-93C4-4BCD-93E2-E3B085C9AB24}">
-                <p16:designElem xmlns:p16="http://schemas.microsoft.com/office/powerpoint/2015/main" val="1"/>
-              </p:ext>
-            </p:extLst>
-          </p:nvPr>
-        </p:nvSpPr>
-        <p:spPr>
-          <a:xfrm>
-            <a:off x="0" y="282"/>
-            <a:ext cx="2283308" cy="5143218"/>
-          </a:xfrm>
-          <a:prstGeom prst="rect">
-            <a:avLst/>
-          </a:prstGeom>
-          <a:solidFill>
-            <a:schemeClr val="accent1"/>
-          </a:solidFill>
-          <a:ln>
-            <a:noFill/>
-          </a:ln>
-        </p:spPr>
-        <p:style>
-          <a:lnRef idx="2">
-            <a:schemeClr val="accent1">
-              <a:shade val="50000"/>
-            </a:schemeClr>
-          </a:lnRef>
-          <a:fillRef idx="1">
-            <a:schemeClr val="accent1"/>
-          </a:fillRef>
-          <a:effectRef idx="0">
-            <a:schemeClr val="accent1"/>
-          </a:effectRef>
-          <a:fontRef idx="minor">
-            <a:schemeClr val="lt1"/>
-          </a:fontRef>
-        </p:style>
-      </p:sp>
-      <p:sp>
-        <p:nvSpPr>
-          <p:cNvPr id="239" name="Rectangle 115">
-            <a:extLst>
-              <a:ext uri="{FF2B5EF4-FFF2-40B4-BE49-F238E27FC236}">
-                <a16:creationId xmlns:a16="http://schemas.microsoft.com/office/drawing/2014/main" id="{72171013-D973-4187-9CF2-EE098EEF8194}"/>
-              </a:ext>
-              <a:ext uri="{C183D7F6-B498-43B3-948B-1728B52AA6E4}">
-                <adec:decorative xmlns="" xmlns:adec="http://schemas.microsoft.com/office/drawing/2017/decorative" val="1"/>
-              </a:ext>
-            </a:extLst>
-          </p:cNvPr>
-          <p:cNvSpPr>
-            <a:spLocks noGrp="1" noRot="1" noChangeAspect="1" noMove="1" noResize="1" noEditPoints="1" noAdjustHandles="1" noChangeArrowheads="1" noChangeShapeType="1" noTextEdit="1"/>
-          </p:cNvSpPr>
-          <p:nvPr>
-            <p:extLst>
-              <p:ext uri="{386F3935-93C4-4BCD-93E2-E3B085C9AB24}">
-                <p16:designElem xmlns:p16="http://schemas.microsoft.com/office/powerpoint/2015/main" val="1"/>
-              </p:ext>
-            </p:extLst>
-          </p:nvPr>
-        </p:nvSpPr>
-        <p:spPr>
-          <a:xfrm>
-            <a:off x="2111857" y="282"/>
-            <a:ext cx="171450" cy="5143500"/>
-          </a:xfrm>
-          <a:prstGeom prst="rect">
-            <a:avLst/>
-          </a:prstGeom>
-          <a:solidFill>
-            <a:schemeClr val="tx2"/>
-          </a:solidFill>
-          <a:ln>
-            <a:noFill/>
-          </a:ln>
-        </p:spPr>
-        <p:style>
-          <a:lnRef idx="2">
-            <a:schemeClr val="accent1">
-              <a:shade val="50000"/>
-            </a:schemeClr>
-          </a:lnRef>
-          <a:fillRef idx="1">
-            <a:schemeClr val="accent1"/>
-          </a:fillRef>
-          <a:effectRef idx="0">
-            <a:schemeClr val="accent1"/>
-          </a:effectRef>
-          <a:fontRef idx="minor">
-            <a:schemeClr val="lt1"/>
-          </a:fontRef>
-        </p:style>
-      </p:sp>
-      <p:sp>
-        <p:nvSpPr>
           <p:cNvPr id="235" name="Google Shape;235;p41"/>
           <p:cNvSpPr txBox="1"/>
           <p:nvPr/>
         </p:nvSpPr>
         <p:spPr>
           <a:xfrm>
-            <a:off x="2522898" y="1714500"/>
-            <a:ext cx="5778873" cy="2686050"/>
+            <a:off x="2554429" y="1412492"/>
+            <a:ext cx="5778873" cy="1375541"/>
           </a:xfrm>
           <a:prstGeom prst="rect">
             <a:avLst/>
@@ -12065,18 +11743,18 @@
           </a:p>
           <a:p>
             <a:r>
-              <a:rPr lang="es-ES" dirty="0" smtClean="0"/>
-              <a:t>El objetivo de esta aplicación fue desarrollar un sistema Web Con </a:t>
+              <a:rPr lang="es-ES" sz="1800" dirty="0"/>
+              <a:t>Desarrollar una aplicación api </a:t>
             </a:r>
             <a:r>
-              <a:rPr lang="es-ES" dirty="0" err="1" smtClean="0"/>
-              <a:t>app</a:t>
+              <a:rPr lang="es-ES" sz="1800" dirty="0" err="1"/>
+              <a:t>rest</a:t>
             </a:r>
             <a:r>
-              <a:rPr lang="es-ES" dirty="0" smtClean="0"/>
-              <a:t> para la gestión de Citas Medicas, y estadísticas utilizando Software libre.</a:t>
+              <a:rPr lang="es-ES" sz="1800" dirty="0"/>
+              <a:t> en java para la gestión de Citas Medicas y almacenamiento en MongoDB</a:t>
             </a:r>
-            <a:endParaRPr lang="en-US" kern="1200" dirty="0">
+            <a:endParaRPr lang="en-US" sz="1800" kern="1200" dirty="0">
               <a:solidFill>
                 <a:schemeClr val="tx2"/>
               </a:solidFill>
@@ -12145,7 +11823,7 @@
       </p:sp>
       <p:pic>
         <p:nvPicPr>
-          <p:cNvPr id="10242" name="Picture 2" descr="https://lh3.googleusercontent.com/w_WLm4ZdTP2cngon2Cmll-bIBaDVzDFZiNEN-CXTmTspwVjg6Qla5Y302tZI2ev9aoQm2WDqJunVOxRsbyb3H7oJwUENdYnIQa1dRCzuirgFxf05_bd3htQYWn73i_wDfOje3c42MX0"/>
+          <p:cNvPr id="10" name="Picture 4" descr="https://lh4.googleusercontent.com/goPpDHxVnny9fgg6agxubcOnKbSD_wk9-8WkQoiyqwZ0MRqkYA8u0wE1BDlfDMlFXD90hUkgCF1iFNdvW4x9_8rFe6pZfdi3xvJURfKxzuwFiDM1ewZzBJrG3mOkxu7EpYqWN_42rEk"/>
           <p:cNvPicPr>
             <a:picLocks noChangeAspect="1" noChangeArrowheads="1"/>
           </p:cNvPicPr>
@@ -12160,20 +11838,24 @@
         </p:blipFill>
         <p:spPr bwMode="auto">
           <a:xfrm>
-            <a:off x="252249" y="1"/>
-            <a:ext cx="1797268" cy="5143499"/>
+            <a:off x="6999760" y="451945"/>
+            <a:ext cx="1524130" cy="290793"/>
           </a:xfrm>
           <a:prstGeom prst="rect">
             <a:avLst/>
           </a:prstGeom>
-          <a:solidFill>
-            <a:schemeClr val="bg1"/>
-          </a:solidFill>
+          <a:noFill/>
         </p:spPr>
       </p:pic>
       <p:pic>
         <p:nvPicPr>
-          <p:cNvPr id="10" name="Picture 4" descr="https://lh4.googleusercontent.com/goPpDHxVnny9fgg6agxubcOnKbSD_wk9-8WkQoiyqwZ0MRqkYA8u0wE1BDlfDMlFXD90hUkgCF1iFNdvW4x9_8rFe6pZfdi3xvJURfKxzuwFiDM1ewZzBJrG3mOkxu7EpYqWN_42rEk"/>
+          <p:cNvPr id="11" name="Picture 2" descr="https://lh3.googleusercontent.com/w_WLm4ZdTP2cngon2Cmll-bIBaDVzDFZiNEN-CXTmTspwVjg6Qla5Y302tZI2ev9aoQm2WDqJunVOxRsbyb3H7oJwUENdYnIQa1dRCzuirgFxf05_bd3htQYWn73i_wDfOje3c42MX0">
+            <a:extLst>
+              <a:ext uri="{FF2B5EF4-FFF2-40B4-BE49-F238E27FC236}">
+                <a16:creationId xmlns:a16="http://schemas.microsoft.com/office/drawing/2014/main" id="{A6A85CEF-66FA-4EC7-85B1-37809691CD85}"/>
+              </a:ext>
+            </a:extLst>
+          </p:cNvPr>
           <p:cNvPicPr>
             <a:picLocks noChangeAspect="1" noChangeArrowheads="1"/>
           </p:cNvPicPr>
@@ -12188,13 +11870,58 @@
         </p:blipFill>
         <p:spPr bwMode="auto">
           <a:xfrm>
-            <a:off x="6999760" y="451945"/>
-            <a:ext cx="1524130" cy="290793"/>
+            <a:off x="514020" y="1"/>
+            <a:ext cx="1828799" cy="5143499"/>
           </a:xfrm>
           <a:prstGeom prst="rect">
             <a:avLst/>
           </a:prstGeom>
           <a:noFill/>
+        </p:spPr>
+      </p:pic>
+      <p:pic>
+        <p:nvPicPr>
+          <p:cNvPr id="1028" name="Picture 4" descr="Resultado de imagen para calendario png">
+            <a:extLst>
+              <a:ext uri="{FF2B5EF4-FFF2-40B4-BE49-F238E27FC236}">
+                <a16:creationId xmlns:a16="http://schemas.microsoft.com/office/drawing/2014/main" id="{A12CADE1-E50B-4618-AD1D-67C23E5CD4F2}"/>
+              </a:ext>
+            </a:extLst>
+          </p:cNvPr>
+          <p:cNvPicPr>
+            <a:picLocks noChangeAspect="1" noChangeArrowheads="1"/>
+          </p:cNvPicPr>
+          <p:nvPr/>
+        </p:nvPicPr>
+        <p:blipFill rotWithShape="1">
+          <a:blip r:embed="rId5">
+            <a:extLst>
+              <a:ext uri="{28A0092B-C50C-407E-A947-70E740481C1C}">
+                <a14:useLocalDpi xmlns:a14="http://schemas.microsoft.com/office/drawing/2010/main" val="0"/>
+              </a:ext>
+            </a:extLst>
+          </a:blip>
+          <a:srcRect l="9474" t="10633" r="11542" b="10320"/>
+          <a:stretch/>
+        </p:blipFill>
+        <p:spPr bwMode="auto">
+          <a:xfrm>
+            <a:off x="4078014" y="2503760"/>
+            <a:ext cx="2365817" cy="2364829"/>
+          </a:xfrm>
+          <a:prstGeom prst="rect">
+            <a:avLst/>
+          </a:prstGeom>
+          <a:noFill/>
+          <a:extLst>
+            <a:ext uri="{909E8E84-426E-40DD-AFC4-6F175D3DCCD1}">
+              <a14:hiddenFill xmlns:a14="http://schemas.microsoft.com/office/drawing/2010/main">
+                <a:solidFill>
+                  <a:srgbClr val="FFFFFF"/>
+                </a:solidFill>
+              </a14:hiddenFill>
+            </a:ext>
+          </a:extLst>
         </p:spPr>
       </p:pic>
     </p:spTree>
@@ -12202,13 +11929,6 @@
   <p:clrMapOvr>
     <a:masterClrMapping/>
   </p:clrMapOvr>
-  <p:timing>
-    <p:tnLst>
-      <p:par>
-        <p:cTn id="1" dur="indefinite" restart="never" nodeType="tmRoot"/>
-      </p:par>
-    </p:tnLst>
-  </p:timing>
 </p:sld>
 </file>
 
@@ -12237,66 +11957,6 @@
           <a:chExt cx="0" cy="0"/>
         </a:xfrm>
       </p:grpSpPr>
-      <p:sp useBgFill="1">
-        <p:nvSpPr>
-          <p:cNvPr id="237" name="Rectangle 111">
-            <a:extLst>
-              <a:ext uri="{FF2B5EF4-FFF2-40B4-BE49-F238E27FC236}">
-                <a16:creationId xmlns:a16="http://schemas.microsoft.com/office/drawing/2014/main" id="{32812C54-7AEF-4ABB-826E-221F51CB0F30}"/>
-              </a:ext>
-              <a:ext uri="{C183D7F6-B498-43B3-948B-1728B52AA6E4}">
-                <adec:decorative xmlns="" xmlns:adec="http://schemas.microsoft.com/office/drawing/2017/decorative" val="1"/>
-              </a:ext>
-            </a:extLst>
-          </p:cNvPr>
-          <p:cNvSpPr>
-            <a:spLocks noGrp="1" noRot="1" noChangeAspect="1" noMove="1" noResize="1" noEditPoints="1" noAdjustHandles="1" noChangeArrowheads="1" noChangeShapeType="1" noTextEdit="1"/>
-          </p:cNvSpPr>
-          <p:nvPr>
-            <p:extLst>
-              <p:ext uri="{386F3935-93C4-4BCD-93E2-E3B085C9AB24}">
-                <p16:designElem xmlns:p16="http://schemas.microsoft.com/office/powerpoint/2015/main" val="1"/>
-              </p:ext>
-            </p:extLst>
-          </p:nvPr>
-        </p:nvSpPr>
-        <p:spPr>
-          <a:xfrm>
-            <a:off x="0" y="0"/>
-            <a:ext cx="9144000" cy="5143500"/>
-          </a:xfrm>
-          <a:prstGeom prst="rect">
-            <a:avLst/>
-          </a:prstGeom>
-          <a:ln>
-            <a:noFill/>
-          </a:ln>
-        </p:spPr>
-        <p:style>
-          <a:lnRef idx="2">
-            <a:schemeClr val="accent1">
-              <a:shade val="50000"/>
-            </a:schemeClr>
-          </a:lnRef>
-          <a:fillRef idx="1">
-            <a:schemeClr val="accent1"/>
-          </a:fillRef>
-          <a:effectRef idx="0">
-            <a:schemeClr val="accent1"/>
-          </a:effectRef>
-          <a:fontRef idx="minor">
-            <a:schemeClr val="lt1"/>
-          </a:fontRef>
-        </p:style>
-        <p:txBody>
-          <a:bodyPr rtlCol="0" anchor="ctr"/>
-          <a:lstStyle/>
-          <a:p>
-            <a:pPr algn="ctr"/>
-            <a:endParaRPr lang="en-US"/>
-          </a:p>
-        </p:txBody>
-      </p:sp>
       <p:sp>
         <p:nvSpPr>
           <p:cNvPr id="233" name="Google Shape;233;p41"/>
@@ -12305,7 +11965,7 @@
         </p:nvSpPr>
         <p:spPr>
           <a:xfrm>
-            <a:off x="2522898" y="514350"/>
+            <a:off x="2522898" y="1005231"/>
             <a:ext cx="5778873" cy="1114425"/>
           </a:xfrm>
           <a:prstGeom prst="rect">
@@ -12330,7 +11990,7 @@
               </a:spcAft>
             </a:pPr>
             <a:r>
-              <a:rPr lang="en-US" sz="4400" b="1" kern="1200" dirty="0" smtClean="0">
+              <a:rPr lang="en-US" sz="4400" b="1" kern="1200" dirty="0">
                 <a:solidFill>
                   <a:schemeClr val="tx2"/>
                 </a:solidFill>
@@ -12342,7 +12002,7 @@
               <a:t>¿</a:t>
             </a:r>
             <a:r>
-              <a:rPr lang="en-US" sz="4400" b="1" kern="1200" dirty="0" err="1" smtClean="0">
+              <a:rPr lang="en-US" sz="4400" b="1" kern="1200" dirty="0" err="1">
                 <a:solidFill>
                   <a:schemeClr val="tx2"/>
                 </a:solidFill>
@@ -12354,7 +12014,7 @@
               <a:t>Problematica</a:t>
             </a:r>
             <a:r>
-              <a:rPr lang="en-US" sz="4400" b="1" kern="1200" dirty="0" smtClean="0">
+              <a:rPr lang="en-US" sz="4400" b="1" kern="1200" dirty="0">
                 <a:solidFill>
                   <a:schemeClr val="tx2"/>
                 </a:solidFill>
@@ -12365,127 +12025,8 @@
               </a:rPr>
               <a:t>?</a:t>
             </a:r>
-            <a:endParaRPr lang="en-US" sz="4400" b="1" kern="1200" dirty="0">
-              <a:solidFill>
-                <a:schemeClr val="tx2"/>
-              </a:solidFill>
-              <a:latin typeface="+mj-lt"/>
-              <a:ea typeface="+mj-ea"/>
-              <a:cs typeface="+mj-cs"/>
-              <a:sym typeface="Proxima Nova"/>
-            </a:endParaRPr>
           </a:p>
         </p:txBody>
-      </p:sp>
-      <p:sp>
-        <p:nvSpPr>
-          <p:cNvPr id="238" name="Rectangle 113">
-            <a:extLst>
-              <a:ext uri="{FF2B5EF4-FFF2-40B4-BE49-F238E27FC236}">
-                <a16:creationId xmlns:a16="http://schemas.microsoft.com/office/drawing/2014/main" id="{891F40E4-8A76-44CF-91EC-907367352626}"/>
-              </a:ext>
-              <a:ext uri="{C183D7F6-B498-43B3-948B-1728B52AA6E4}">
-                <adec:decorative xmlns="" xmlns:adec="http://schemas.microsoft.com/office/drawing/2017/decorative" val="1"/>
-              </a:ext>
-            </a:extLst>
-          </p:cNvPr>
-          <p:cNvSpPr>
-            <a:spLocks noGrp="1" noRot="1" noChangeAspect="1" noMove="1" noResize="1" noEditPoints="1" noAdjustHandles="1" noChangeArrowheads="1" noChangeShapeType="1" noTextEdit="1"/>
-          </p:cNvSpPr>
-          <p:nvPr>
-            <p:extLst>
-              <p:ext uri="{386F3935-93C4-4BCD-93E2-E3B085C9AB24}">
-                <p16:designElem xmlns:p16="http://schemas.microsoft.com/office/powerpoint/2015/main" val="1"/>
-              </p:ext>
-            </p:extLst>
-          </p:nvPr>
-        </p:nvSpPr>
-        <p:spPr>
-          <a:xfrm>
-            <a:off x="0" y="282"/>
-            <a:ext cx="2283308" cy="5143218"/>
-          </a:xfrm>
-          <a:prstGeom prst="rect">
-            <a:avLst/>
-          </a:prstGeom>
-          <a:solidFill>
-            <a:schemeClr val="accent1"/>
-          </a:solidFill>
-          <a:ln>
-            <a:noFill/>
-          </a:ln>
-        </p:spPr>
-        <p:style>
-          <a:lnRef idx="2">
-            <a:schemeClr val="accent1">
-              <a:shade val="50000"/>
-            </a:schemeClr>
-          </a:lnRef>
-          <a:fillRef idx="1">
-            <a:schemeClr val="accent1"/>
-          </a:fillRef>
-          <a:effectRef idx="0">
-            <a:schemeClr val="accent1"/>
-          </a:effectRef>
-          <a:fontRef idx="minor">
-            <a:schemeClr val="lt1"/>
-          </a:fontRef>
-        </p:style>
-      </p:sp>
-      <p:sp>
-        <p:nvSpPr>
-          <p:cNvPr id="239" name="Rectangle 115">
-            <a:extLst>
-              <a:ext uri="{FF2B5EF4-FFF2-40B4-BE49-F238E27FC236}">
-                <a16:creationId xmlns:a16="http://schemas.microsoft.com/office/drawing/2014/main" id="{72171013-D973-4187-9CF2-EE098EEF8194}"/>
-              </a:ext>
-              <a:ext uri="{C183D7F6-B498-43B3-948B-1728B52AA6E4}">
-                <adec:decorative xmlns="" xmlns:adec="http://schemas.microsoft.com/office/drawing/2017/decorative" val="1"/>
-              </a:ext>
-            </a:extLst>
-          </p:cNvPr>
-          <p:cNvSpPr>
-            <a:spLocks noGrp="1" noRot="1" noChangeAspect="1" noMove="1" noResize="1" noEditPoints="1" noAdjustHandles="1" noChangeArrowheads="1" noChangeShapeType="1" noTextEdit="1"/>
-          </p:cNvSpPr>
-          <p:nvPr>
-            <p:extLst>
-              <p:ext uri="{386F3935-93C4-4BCD-93E2-E3B085C9AB24}">
-                <p16:designElem xmlns:p16="http://schemas.microsoft.com/office/powerpoint/2015/main" val="1"/>
-              </p:ext>
-            </p:extLst>
-          </p:nvPr>
-        </p:nvSpPr>
-        <p:spPr>
-          <a:xfrm>
-            <a:off x="2111857" y="282"/>
-            <a:ext cx="171450" cy="5143500"/>
-          </a:xfrm>
-          <a:prstGeom prst="rect">
-            <a:avLst/>
-          </a:prstGeom>
-          <a:solidFill>
-            <a:schemeClr val="tx2"/>
-          </a:solidFill>
-          <a:ln>
-            <a:noFill/>
-          </a:ln>
-        </p:spPr>
-        <p:style>
-          <a:lnRef idx="2">
-            <a:schemeClr val="accent1">
-              <a:shade val="50000"/>
-            </a:schemeClr>
-          </a:lnRef>
-          <a:fillRef idx="1">
-            <a:schemeClr val="accent1"/>
-          </a:fillRef>
-          <a:effectRef idx="0">
-            <a:schemeClr val="accent1"/>
-          </a:effectRef>
-          <a:fontRef idx="minor">
-            <a:schemeClr val="lt1"/>
-          </a:fontRef>
-        </p:style>
       </p:sp>
       <p:sp>
         <p:nvSpPr>
@@ -12495,8 +12036,8 @@
         </p:nvSpPr>
         <p:spPr>
           <a:xfrm>
-            <a:off x="2522898" y="1714500"/>
-            <a:ext cx="5778873" cy="2686050"/>
+            <a:off x="2745017" y="2303079"/>
+            <a:ext cx="5358459" cy="986659"/>
           </a:xfrm>
           <a:prstGeom prst="rect">
             <a:avLst/>
@@ -12522,65 +12063,17 @@
               <a:buNone/>
             </a:pPr>
             <a:r>
-              <a:rPr lang="es-ES" kern="1200" dirty="0" smtClean="0">
+              <a:rPr lang="es-ES" sz="1800" kern="1200" dirty="0">
                 <a:solidFill>
                   <a:schemeClr val="tx2"/>
                 </a:solidFill>
-                <a:latin typeface="+mn-lt"/>
+                <a:latin typeface="Arial" panose="020B0604020202020204" pitchFamily="34" charset="0"/>
                 <a:ea typeface="+mn-ea"/>
-                <a:cs typeface="+mn-cs"/>
+                <a:cs typeface="Arial" panose="020B0604020202020204" pitchFamily="34" charset="0"/>
                 <a:sym typeface="Calibri"/>
               </a:rPr>
-              <a:t>-La falta de Tecnología adecuada para la gestión de las citas medicas.</a:t>
+              <a:t>La falta de Tecnología adecuada para la gestión de las citas medicas</a:t>
             </a:r>
-          </a:p>
-          <a:p>
-            <a:pPr marL="457200" lvl="0" indent="-384048">
-              <a:lnSpc>
-                <a:spcPct val="94000"/>
-              </a:lnSpc>
-              <a:spcBef>
-                <a:spcPts val="0"/>
-              </a:spcBef>
-              <a:spcAft>
-                <a:spcPts val="200"/>
-              </a:spcAft>
-              <a:buFont typeface="Franklin Gothic Book" panose="020B0503020102020204" pitchFamily="34" charset="0"/>
-              <a:buNone/>
-            </a:pPr>
-            <a:endParaRPr lang="es-ES" kern="1200" dirty="0" smtClean="0">
-              <a:solidFill>
-                <a:schemeClr val="tx2"/>
-              </a:solidFill>
-              <a:latin typeface="+mn-lt"/>
-              <a:ea typeface="+mn-ea"/>
-              <a:cs typeface="+mn-cs"/>
-              <a:sym typeface="Calibri"/>
-            </a:endParaRPr>
-          </a:p>
-          <a:p>
-            <a:pPr marL="457200" lvl="0" indent="-384048">
-              <a:lnSpc>
-                <a:spcPct val="94000"/>
-              </a:lnSpc>
-              <a:spcBef>
-                <a:spcPts val="0"/>
-              </a:spcBef>
-              <a:spcAft>
-                <a:spcPts val="200"/>
-              </a:spcAft>
-              <a:buFont typeface="Franklin Gothic Book" panose="020B0503020102020204" pitchFamily="34" charset="0"/>
-              <a:buNone/>
-            </a:pPr>
-            <a:endParaRPr lang="es-ES" kern="1200" dirty="0" smtClean="0">
-              <a:solidFill>
-                <a:schemeClr val="tx2"/>
-              </a:solidFill>
-              <a:latin typeface="+mn-lt"/>
-              <a:ea typeface="+mn-ea"/>
-              <a:cs typeface="+mn-cs"/>
-              <a:sym typeface="Calibri"/>
-            </a:endParaRPr>
           </a:p>
         </p:txBody>
       </p:sp>
@@ -12641,7 +12134,7 @@
       </p:sp>
       <p:pic>
         <p:nvPicPr>
-          <p:cNvPr id="8" name="Picture 2" descr="https://lh3.googleusercontent.com/w_WLm4ZdTP2cngon2Cmll-bIBaDVzDFZiNEN-CXTmTspwVjg6Qla5Y302tZI2ev9aoQm2WDqJunVOxRsbyb3H7oJwUENdYnIQa1dRCzuirgFxf05_bd3htQYWn73i_wDfOje3c42MX0"/>
+          <p:cNvPr id="10" name="Picture 4" descr="https://lh4.googleusercontent.com/goPpDHxVnny9fgg6agxubcOnKbSD_wk9-8WkQoiyqwZ0MRqkYA8u0wE1BDlfDMlFXD90hUkgCF1iFNdvW4x9_8rFe6pZfdi3xvJURfKxzuwFiDM1ewZzBJrG3mOkxu7EpYqWN_42rEk"/>
           <p:cNvPicPr>
             <a:picLocks noChangeAspect="1" noChangeArrowheads="1"/>
           </p:cNvPicPr>
@@ -12656,8 +12149,8 @@
         </p:blipFill>
         <p:spPr bwMode="auto">
           <a:xfrm>
-            <a:off x="147146" y="0"/>
-            <a:ext cx="1828799" cy="5143499"/>
+            <a:off x="6999760" y="451945"/>
+            <a:ext cx="1524130" cy="290793"/>
           </a:xfrm>
           <a:prstGeom prst="rect">
             <a:avLst/>
@@ -12667,7 +12160,13 @@
       </p:pic>
       <p:pic>
         <p:nvPicPr>
-          <p:cNvPr id="10" name="Picture 4" descr="https://lh4.googleusercontent.com/goPpDHxVnny9fgg6agxubcOnKbSD_wk9-8WkQoiyqwZ0MRqkYA8u0wE1BDlfDMlFXD90hUkgCF1iFNdvW4x9_8rFe6pZfdi3xvJURfKxzuwFiDM1ewZzBJrG3mOkxu7EpYqWN_42rEk"/>
+          <p:cNvPr id="11" name="Picture 2" descr="https://lh3.googleusercontent.com/w_WLm4ZdTP2cngon2Cmll-bIBaDVzDFZiNEN-CXTmTspwVjg6Qla5Y302tZI2ev9aoQm2WDqJunVOxRsbyb3H7oJwUENdYnIQa1dRCzuirgFxf05_bd3htQYWn73i_wDfOje3c42MX0">
+            <a:extLst>
+              <a:ext uri="{FF2B5EF4-FFF2-40B4-BE49-F238E27FC236}">
+                <a16:creationId xmlns:a16="http://schemas.microsoft.com/office/drawing/2014/main" id="{D6C3252A-0B4D-47B3-ABB3-C26298145EBC}"/>
+              </a:ext>
+            </a:extLst>
+          </p:cNvPr>
           <p:cNvPicPr>
             <a:picLocks noChangeAspect="1" noChangeArrowheads="1"/>
           </p:cNvPicPr>
@@ -12682,8 +12181,8 @@
         </p:blipFill>
         <p:spPr bwMode="auto">
           <a:xfrm>
-            <a:off x="6999760" y="451945"/>
-            <a:ext cx="1524130" cy="290793"/>
+            <a:off x="514020" y="1"/>
+            <a:ext cx="1828799" cy="5143499"/>
           </a:xfrm>
           <a:prstGeom prst="rect">
             <a:avLst/>
@@ -12696,13 +12195,6 @@
   <p:clrMapOvr>
     <a:masterClrMapping/>
   </p:clrMapOvr>
-  <p:timing>
-    <p:tnLst>
-      <p:par>
-        <p:cTn id="1" dur="indefinite" restart="never" nodeType="tmRoot"/>
-      </p:par>
-    </p:tnLst>
-  </p:timing>
 </p:sld>
 </file>
 
@@ -12739,7 +12231,7 @@
         </p:nvSpPr>
         <p:spPr>
           <a:xfrm>
-            <a:off x="1028700" y="514350"/>
+            <a:off x="2531679" y="1003039"/>
             <a:ext cx="7200900" cy="1114425"/>
           </a:xfrm>
           <a:prstGeom prst="rect">
@@ -12764,7 +12256,7 @@
               </a:spcAft>
             </a:pPr>
             <a:r>
-              <a:rPr lang="en-US" sz="4400" b="1" kern="1200" dirty="0" err="1" smtClean="0">
+              <a:rPr lang="en-US" sz="4400" b="1" kern="1200" dirty="0" err="1">
                 <a:solidFill>
                   <a:schemeClr val="tx2"/>
                 </a:solidFill>
@@ -12776,7 +12268,7 @@
               <a:t>Ventajas</a:t>
             </a:r>
             <a:r>
-              <a:rPr lang="en-US" sz="4400" b="1" kern="1200" dirty="0" smtClean="0">
+              <a:rPr lang="en-US" sz="4400" b="1" kern="1200" dirty="0">
                 <a:solidFill>
                   <a:schemeClr val="tx2"/>
                 </a:solidFill>
@@ -12788,7 +12280,7 @@
               <a:t> del </a:t>
             </a:r>
             <a:r>
-              <a:rPr lang="en-US" sz="4400" b="1" kern="1200" dirty="0" err="1" smtClean="0">
+              <a:rPr lang="en-US" sz="4400" b="1" kern="1200" dirty="0" err="1">
                 <a:solidFill>
                   <a:schemeClr val="tx2"/>
                 </a:solidFill>
@@ -12922,319 +12414,224 @@
           <a:noFill/>
         </p:spPr>
       </p:pic>
-      <p:grpSp>
-        <p:nvGrpSpPr>
-          <p:cNvPr id="2" name="8 Grupo"/>
-          <p:cNvGrpSpPr/>
+      <p:sp>
+        <p:nvSpPr>
+          <p:cNvPr id="11" name="10 Rectángulo"/>
+          <p:cNvSpPr/>
           <p:nvPr/>
-        </p:nvGrpSpPr>
-        <p:grpSpPr>
-          <a:xfrm>
-            <a:off x="1297846" y="2289242"/>
-            <a:ext cx="6548307" cy="1568055"/>
-            <a:chOff x="652592" y="2119920"/>
-            <a:chExt cx="6548307" cy="565014"/>
-          </a:xfrm>
-        </p:grpSpPr>
-        <p:sp>
-          <p:nvSpPr>
-            <p:cNvPr id="10" name="9 Rectángulo"/>
-            <p:cNvSpPr/>
-            <p:nvPr/>
-          </p:nvSpPr>
-          <p:spPr>
-            <a:xfrm>
-              <a:off x="652592" y="2119920"/>
-              <a:ext cx="6548307" cy="565014"/>
-            </a:xfrm>
-            <a:prstGeom prst="rect">
-              <a:avLst/>
-            </a:prstGeom>
-          </p:spPr>
-          <p:style>
-            <a:lnRef idx="0">
-              <a:schemeClr val="dk1">
-                <a:alpha val="0"/>
-                <a:hueOff val="0"/>
-                <a:satOff val="0"/>
-                <a:lumOff val="0"/>
-                <a:alphaOff val="0"/>
-              </a:schemeClr>
-            </a:lnRef>
-            <a:fillRef idx="0">
-              <a:schemeClr val="lt1">
-                <a:alpha val="0"/>
-                <a:hueOff val="0"/>
-                <a:satOff val="0"/>
-                <a:lumOff val="0"/>
-                <a:alphaOff val="0"/>
-              </a:schemeClr>
-            </a:fillRef>
-            <a:effectRef idx="0">
-              <a:schemeClr val="lt1">
-                <a:alpha val="0"/>
-                <a:hueOff val="0"/>
-                <a:satOff val="0"/>
-                <a:lumOff val="0"/>
-                <a:alphaOff val="0"/>
-              </a:schemeClr>
-            </a:effectRef>
-            <a:fontRef idx="minor">
-              <a:schemeClr val="bg1">
-                <a:hueOff val="0"/>
-                <a:satOff val="0"/>
-                <a:lumOff val="0"/>
-                <a:alphaOff val="0"/>
-              </a:schemeClr>
-            </a:fontRef>
-          </p:style>
-        </p:sp>
-        <p:sp>
-          <p:nvSpPr>
-            <p:cNvPr id="11" name="10 Rectángulo"/>
-            <p:cNvSpPr/>
-            <p:nvPr/>
-          </p:nvSpPr>
-          <p:spPr>
-            <a:xfrm>
-              <a:off x="652592" y="2119920"/>
-              <a:ext cx="6548307" cy="565014"/>
-            </a:xfrm>
-            <a:prstGeom prst="rect">
-              <a:avLst/>
-            </a:prstGeom>
-          </p:spPr>
-          <p:style>
-            <a:lnRef idx="0">
-              <a:scrgbClr r="0" g="0" b="0"/>
-            </a:lnRef>
-            <a:fillRef idx="0">
-              <a:scrgbClr r="0" g="0" b="0"/>
-            </a:fillRef>
-            <a:effectRef idx="0">
-              <a:scrgbClr r="0" g="0" b="0"/>
-            </a:effectRef>
-            <a:fontRef idx="minor">
-              <a:schemeClr val="bg1">
-                <a:hueOff val="0"/>
-                <a:satOff val="0"/>
-                <a:lumOff val="0"/>
-                <a:alphaOff val="0"/>
-              </a:schemeClr>
-            </a:fontRef>
-          </p:style>
-          <p:txBody>
-            <a:bodyPr spcFirstLastPara="0" vert="horz" wrap="square" lIns="59797" tIns="59797" rIns="59797" bIns="59797" numCol="1" spcCol="1270" anchor="ctr" anchorCtr="0">
-              <a:noAutofit/>
-            </a:bodyPr>
-            <a:lstStyle/>
-            <a:p>
-              <a:pPr lvl="0" algn="l" defTabSz="977900">
-                <a:lnSpc>
-                  <a:spcPct val="90000"/>
-                </a:lnSpc>
-                <a:spcBef>
-                  <a:spcPct val="0"/>
-                </a:spcBef>
-                <a:spcAft>
-                  <a:spcPct val="35000"/>
-                </a:spcAft>
-              </a:pPr>
-              <a:r>
-                <a:rPr lang="es-ES" sz="2200" b="1" kern="1200" dirty="0" smtClean="0">
-                  <a:solidFill>
-                    <a:schemeClr val="tx1"/>
-                  </a:solidFill>
-                </a:rPr>
-                <a:t>1-Seguro</a:t>
-              </a:r>
-            </a:p>
-            <a:p>
-              <a:pPr lvl="0" algn="l" defTabSz="977900">
-                <a:lnSpc>
-                  <a:spcPct val="90000"/>
-                </a:lnSpc>
-                <a:spcBef>
-                  <a:spcPct val="0"/>
-                </a:spcBef>
-                <a:spcAft>
-                  <a:spcPct val="35000"/>
-                </a:spcAft>
-              </a:pPr>
-              <a:r>
-                <a:rPr lang="es-ES" sz="2200" b="1" kern="1200" dirty="0" smtClean="0">
-                  <a:solidFill>
-                    <a:schemeClr val="tx1"/>
-                  </a:solidFill>
-                </a:rPr>
-                <a:t>2-confiable.</a:t>
-              </a:r>
-            </a:p>
-            <a:p>
-              <a:pPr lvl="0" algn="l" defTabSz="977900">
-                <a:lnSpc>
-                  <a:spcPct val="90000"/>
-                </a:lnSpc>
-                <a:spcBef>
-                  <a:spcPct val="0"/>
-                </a:spcBef>
-                <a:spcAft>
-                  <a:spcPct val="35000"/>
-                </a:spcAft>
-              </a:pPr>
-              <a:r>
-                <a:rPr lang="es-ES" sz="2200" b="1" kern="1200" dirty="0" smtClean="0">
-                  <a:solidFill>
-                    <a:schemeClr val="tx1"/>
-                  </a:solidFill>
-                </a:rPr>
-                <a:t>3-Facil de utilizar</a:t>
-              </a:r>
-              <a:r>
-                <a:rPr lang="es-ES" sz="2200" b="1" kern="1200" dirty="0" smtClean="0">
-                  <a:solidFill>
-                    <a:schemeClr val="tx1"/>
-                  </a:solidFill>
-                </a:rPr>
-                <a:t>.</a:t>
-              </a:r>
-              <a:endParaRPr lang="es-ES" sz="2200" b="1" kern="1200" dirty="0" smtClean="0">
+        </p:nvSpPr>
+        <p:spPr>
+          <a:xfrm>
+            <a:off x="2626272" y="1860537"/>
+            <a:ext cx="5034817" cy="2331000"/>
+          </a:xfrm>
+          <a:prstGeom prst="rect">
+            <a:avLst/>
+          </a:prstGeom>
+        </p:spPr>
+        <p:style>
+          <a:lnRef idx="0">
+            <a:scrgbClr r="0" g="0" b="0"/>
+          </a:lnRef>
+          <a:fillRef idx="0">
+            <a:scrgbClr r="0" g="0" b="0"/>
+          </a:fillRef>
+          <a:effectRef idx="0">
+            <a:scrgbClr r="0" g="0" b="0"/>
+          </a:effectRef>
+          <a:fontRef idx="minor">
+            <a:schemeClr val="bg1">
+              <a:hueOff val="0"/>
+              <a:satOff val="0"/>
+              <a:lumOff val="0"/>
+              <a:alphaOff val="0"/>
+            </a:schemeClr>
+          </a:fontRef>
+        </p:style>
+        <p:txBody>
+          <a:bodyPr spcFirstLastPara="0" vert="horz" wrap="square" lIns="59797" tIns="59797" rIns="59797" bIns="59797" numCol="1" spcCol="1270" anchor="ctr" anchorCtr="0">
+            <a:noAutofit/>
+          </a:bodyPr>
+          <a:lstStyle/>
+          <a:p>
+            <a:pPr marL="457200" lvl="0" indent="-457200" algn="l" defTabSz="977900">
+              <a:lnSpc>
+                <a:spcPct val="90000"/>
+              </a:lnSpc>
+              <a:spcBef>
+                <a:spcPct val="0"/>
+              </a:spcBef>
+              <a:spcAft>
+                <a:spcPct val="35000"/>
+              </a:spcAft>
+              <a:buFont typeface="+mj-lt"/>
+              <a:buAutoNum type="arabicPeriod"/>
+            </a:pPr>
+            <a:r>
+              <a:rPr lang="es-ES" sz="2400" kern="1200" dirty="0">
                 <a:solidFill>
                   <a:schemeClr val="tx1"/>
                 </a:solidFill>
-              </a:endParaRPr>
-            </a:p>
-            <a:p>
-              <a:pPr lvl="0" algn="l" defTabSz="977900">
-                <a:lnSpc>
-                  <a:spcPct val="90000"/>
-                </a:lnSpc>
-                <a:spcBef>
-                  <a:spcPct val="0"/>
-                </a:spcBef>
-                <a:spcAft>
-                  <a:spcPct val="35000"/>
-                </a:spcAft>
-              </a:pPr>
-              <a:r>
-                <a:rPr lang="es-ES" sz="2200" b="1" kern="1200" dirty="0">
-                  <a:solidFill>
-                    <a:schemeClr val="tx1"/>
-                  </a:solidFill>
-                </a:rPr>
-                <a:t>4</a:t>
-              </a:r>
-              <a:r>
-                <a:rPr lang="es-ES" sz="2200" b="1" kern="1200" dirty="0" smtClean="0">
-                  <a:solidFill>
-                    <a:schemeClr val="tx1"/>
-                  </a:solidFill>
-                </a:rPr>
-                <a:t>.-</a:t>
-              </a:r>
-              <a:r>
-                <a:rPr lang="es-ES" sz="2200" b="1" kern="1200" dirty="0" smtClean="0">
-                  <a:solidFill>
-                    <a:schemeClr val="tx1"/>
-                  </a:solidFill>
-                </a:rPr>
-                <a:t>Multiplataforma(</a:t>
-              </a:r>
-              <a:r>
-                <a:rPr lang="es-ES" sz="2200" b="1" kern="1200" dirty="0" err="1" smtClean="0">
-                  <a:solidFill>
-                    <a:schemeClr val="tx1"/>
-                  </a:solidFill>
-                </a:rPr>
-                <a:t>windows,mac</a:t>
-              </a:r>
-              <a:r>
-                <a:rPr lang="es-ES" sz="2200" b="1" kern="1200" dirty="0" smtClean="0">
-                  <a:solidFill>
-                    <a:schemeClr val="tx1"/>
-                  </a:solidFill>
-                </a:rPr>
-                <a:t>)</a:t>
-              </a:r>
-            </a:p>
-            <a:p>
-              <a:pPr lvl="0" algn="l" defTabSz="977900">
-                <a:lnSpc>
-                  <a:spcPct val="90000"/>
-                </a:lnSpc>
-                <a:spcBef>
-                  <a:spcPct val="0"/>
-                </a:spcBef>
-                <a:spcAft>
-                  <a:spcPct val="35000"/>
-                </a:spcAft>
-              </a:pPr>
-              <a:r>
-                <a:rPr lang="es-ES" sz="2200" b="1" kern="1200" dirty="0">
-                  <a:solidFill>
-                    <a:schemeClr val="tx1"/>
-                  </a:solidFill>
-                </a:rPr>
-                <a:t>5</a:t>
-              </a:r>
-              <a:r>
-                <a:rPr lang="es-ES" sz="2200" b="1" kern="1200" dirty="0" smtClean="0">
-                  <a:solidFill>
-                    <a:schemeClr val="tx1"/>
-                  </a:solidFill>
-                </a:rPr>
-                <a:t>.Respaldo </a:t>
-              </a:r>
-              <a:r>
-                <a:rPr lang="es-ES" sz="2200" b="1" kern="1200" dirty="0" err="1" smtClean="0">
-                  <a:solidFill>
-                    <a:schemeClr val="tx1"/>
-                  </a:solidFill>
-                </a:rPr>
-                <a:t>Automatico</a:t>
-              </a:r>
-              <a:r>
-                <a:rPr lang="es-ES" sz="2200" b="1" kern="1200" dirty="0" smtClean="0">
-                  <a:solidFill>
-                    <a:schemeClr val="tx1"/>
-                  </a:solidFill>
-                </a:rPr>
-                <a:t> de Datos.</a:t>
-              </a:r>
-            </a:p>
-            <a:p>
-              <a:pPr lvl="0" algn="l" defTabSz="977900">
-                <a:lnSpc>
-                  <a:spcPct val="90000"/>
-                </a:lnSpc>
-                <a:spcBef>
-                  <a:spcPct val="0"/>
-                </a:spcBef>
-                <a:spcAft>
-                  <a:spcPct val="35000"/>
-                </a:spcAft>
-              </a:pPr>
-              <a:endParaRPr lang="es-ES" sz="2200" b="1" kern="1200" dirty="0" smtClean="0">
+                <a:latin typeface="Arial" panose="020B0604020202020204" pitchFamily="34" charset="0"/>
+                <a:cs typeface="Arial" panose="020B0604020202020204" pitchFamily="34" charset="0"/>
+              </a:rPr>
+              <a:t>Seguro</a:t>
+            </a:r>
+          </a:p>
+          <a:p>
+            <a:pPr marL="457200" lvl="0" indent="-457200" algn="l" defTabSz="977900">
+              <a:lnSpc>
+                <a:spcPct val="90000"/>
+              </a:lnSpc>
+              <a:spcBef>
+                <a:spcPct val="0"/>
+              </a:spcBef>
+              <a:spcAft>
+                <a:spcPct val="35000"/>
+              </a:spcAft>
+              <a:buFont typeface="+mj-lt"/>
+              <a:buAutoNum type="arabicPeriod"/>
+            </a:pPr>
+            <a:r>
+              <a:rPr lang="es-ES" sz="2400" kern="1200" dirty="0">
                 <a:solidFill>
                   <a:schemeClr val="tx1"/>
                 </a:solidFill>
-              </a:endParaRPr>
-            </a:p>
-          </p:txBody>
-        </p:sp>
-      </p:grpSp>
+                <a:latin typeface="Arial" panose="020B0604020202020204" pitchFamily="34" charset="0"/>
+                <a:cs typeface="Arial" panose="020B0604020202020204" pitchFamily="34" charset="0"/>
+              </a:rPr>
+              <a:t>Confiable</a:t>
+            </a:r>
+          </a:p>
+          <a:p>
+            <a:pPr marL="457200" lvl="0" indent="-457200" algn="l" defTabSz="977900">
+              <a:lnSpc>
+                <a:spcPct val="90000"/>
+              </a:lnSpc>
+              <a:spcBef>
+                <a:spcPct val="0"/>
+              </a:spcBef>
+              <a:spcAft>
+                <a:spcPct val="35000"/>
+              </a:spcAft>
+              <a:buFont typeface="+mj-lt"/>
+              <a:buAutoNum type="arabicPeriod"/>
+            </a:pPr>
+            <a:r>
+              <a:rPr lang="es-ES" sz="2400" kern="1200" dirty="0">
+                <a:solidFill>
+                  <a:schemeClr val="tx1"/>
+                </a:solidFill>
+                <a:latin typeface="Arial" panose="020B0604020202020204" pitchFamily="34" charset="0"/>
+                <a:cs typeface="Arial" panose="020B0604020202020204" pitchFamily="34" charset="0"/>
+              </a:rPr>
+              <a:t>Fácil de utilizar</a:t>
+            </a:r>
+          </a:p>
+          <a:p>
+            <a:pPr marL="457200" lvl="0" indent="-457200" algn="l" defTabSz="977900">
+              <a:lnSpc>
+                <a:spcPct val="90000"/>
+              </a:lnSpc>
+              <a:spcBef>
+                <a:spcPct val="0"/>
+              </a:spcBef>
+              <a:spcAft>
+                <a:spcPct val="35000"/>
+              </a:spcAft>
+              <a:buFont typeface="+mj-lt"/>
+              <a:buAutoNum type="arabicPeriod"/>
+            </a:pPr>
+            <a:r>
+              <a:rPr lang="es-ES" sz="2400" kern="1200" dirty="0">
+                <a:solidFill>
+                  <a:schemeClr val="tx1"/>
+                </a:solidFill>
+                <a:latin typeface="Arial" panose="020B0604020202020204" pitchFamily="34" charset="0"/>
+                <a:cs typeface="Arial" panose="020B0604020202020204" pitchFamily="34" charset="0"/>
+              </a:rPr>
+              <a:t>Multiplataforma(Windows, </a:t>
+            </a:r>
+            <a:r>
+              <a:rPr lang="es-ES" sz="2400" kern="1200" dirty="0" err="1">
+                <a:solidFill>
+                  <a:schemeClr val="tx1"/>
+                </a:solidFill>
+                <a:latin typeface="Arial" panose="020B0604020202020204" pitchFamily="34" charset="0"/>
+                <a:cs typeface="Arial" panose="020B0604020202020204" pitchFamily="34" charset="0"/>
+              </a:rPr>
+              <a:t>mac</a:t>
+            </a:r>
+            <a:r>
+              <a:rPr lang="es-ES" sz="2400" kern="1200" dirty="0">
+                <a:solidFill>
+                  <a:schemeClr val="tx1"/>
+                </a:solidFill>
+                <a:latin typeface="Arial" panose="020B0604020202020204" pitchFamily="34" charset="0"/>
+                <a:cs typeface="Arial" panose="020B0604020202020204" pitchFamily="34" charset="0"/>
+              </a:rPr>
+              <a:t>, distros </a:t>
+            </a:r>
+            <a:r>
+              <a:rPr lang="es-ES" sz="2400" kern="1200" dirty="0" err="1">
+                <a:solidFill>
+                  <a:schemeClr val="tx1"/>
+                </a:solidFill>
+                <a:latin typeface="Arial" panose="020B0604020202020204" pitchFamily="34" charset="0"/>
+                <a:cs typeface="Arial" panose="020B0604020202020204" pitchFamily="34" charset="0"/>
+              </a:rPr>
+              <a:t>linux</a:t>
+            </a:r>
+            <a:r>
+              <a:rPr lang="es-ES" sz="2400" kern="1200" dirty="0">
+                <a:solidFill>
+                  <a:schemeClr val="tx1"/>
+                </a:solidFill>
+                <a:latin typeface="Arial" panose="020B0604020202020204" pitchFamily="34" charset="0"/>
+                <a:cs typeface="Arial" panose="020B0604020202020204" pitchFamily="34" charset="0"/>
+              </a:rPr>
+              <a:t>)</a:t>
+            </a:r>
+          </a:p>
+        </p:txBody>
+      </p:sp>
+      <p:pic>
+        <p:nvPicPr>
+          <p:cNvPr id="9" name="Picture 2" descr="https://lh3.googleusercontent.com/w_WLm4ZdTP2cngon2Cmll-bIBaDVzDFZiNEN-CXTmTspwVjg6Qla5Y302tZI2ev9aoQm2WDqJunVOxRsbyb3H7oJwUENdYnIQa1dRCzuirgFxf05_bd3htQYWn73i_wDfOje3c42MX0">
+            <a:extLst>
+              <a:ext uri="{FF2B5EF4-FFF2-40B4-BE49-F238E27FC236}">
+                <a16:creationId xmlns:a16="http://schemas.microsoft.com/office/drawing/2014/main" id="{97F4A2D5-4E26-41DC-A7A3-9BAED9A1D814}"/>
+              </a:ext>
+            </a:extLst>
+          </p:cNvPr>
+          <p:cNvPicPr>
+            <a:picLocks noChangeAspect="1" noChangeArrowheads="1"/>
+          </p:cNvPicPr>
+          <p:nvPr/>
+        </p:nvPicPr>
+        <p:blipFill>
+          <a:blip r:embed="rId4"/>
+          <a:srcRect/>
+          <a:stretch>
+            <a:fillRect/>
+          </a:stretch>
+        </p:blipFill>
+        <p:spPr bwMode="auto">
+          <a:xfrm>
+            <a:off x="514020" y="1"/>
+            <a:ext cx="1828799" cy="5143499"/>
+          </a:xfrm>
+          <a:prstGeom prst="rect">
+            <a:avLst/>
+          </a:prstGeom>
+          <a:noFill/>
+        </p:spPr>
+      </p:pic>
     </p:spTree>
   </p:cSld>
   <p:clrMapOvr>
     <a:masterClrMapping/>
   </p:clrMapOvr>
-  <p:timing>
-    <p:tnLst>
-      <p:par>
-        <p:cTn id="1" dur="indefinite" restart="never" nodeType="tmRoot"/>
-      </p:par>
-    </p:tnLst>
-  </p:timing>
 </p:sld>
 </file>
 
@@ -13271,7 +12668,7 @@
         </p:nvSpPr>
         <p:spPr>
           <a:xfrm>
-            <a:off x="1028700" y="514351"/>
+            <a:off x="3252355" y="819149"/>
             <a:ext cx="5891645" cy="929986"/>
           </a:xfrm>
           <a:prstGeom prst="rect">
@@ -13296,7 +12693,7 @@
               </a:spcAft>
             </a:pPr>
             <a:r>
-              <a:rPr lang="en-US" sz="4400" b="1" kern="1200" dirty="0" err="1" smtClean="0">
+              <a:rPr lang="en-US" sz="4400" b="1" kern="1200" dirty="0" err="1">
                 <a:solidFill>
                   <a:schemeClr val="tx2"/>
                 </a:solidFill>
@@ -13504,12 +12901,44 @@
         </p:blipFill>
         <p:spPr>
           <a:xfrm>
-            <a:off x="947964" y="1057275"/>
-            <a:ext cx="7628478" cy="2049608"/>
+            <a:off x="2396463" y="1825546"/>
+            <a:ext cx="6824149" cy="2049608"/>
           </a:xfrm>
           <a:prstGeom prst="rect">
             <a:avLst/>
           </a:prstGeom>
+        </p:spPr>
+      </p:pic>
+      <p:pic>
+        <p:nvPicPr>
+          <p:cNvPr id="9" name="Picture 2" descr="https://lh3.googleusercontent.com/w_WLm4ZdTP2cngon2Cmll-bIBaDVzDFZiNEN-CXTmTspwVjg6Qla5Y302tZI2ev9aoQm2WDqJunVOxRsbyb3H7oJwUENdYnIQa1dRCzuirgFxf05_bd3htQYWn73i_wDfOje3c42MX0">
+            <a:extLst>
+              <a:ext uri="{FF2B5EF4-FFF2-40B4-BE49-F238E27FC236}">
+                <a16:creationId xmlns:a16="http://schemas.microsoft.com/office/drawing/2014/main" id="{D22BFF68-3C43-43DD-9C68-ED8CEB00073F}"/>
+              </a:ext>
+            </a:extLst>
+          </p:cNvPr>
+          <p:cNvPicPr>
+            <a:picLocks noChangeAspect="1" noChangeArrowheads="1"/>
+          </p:cNvPicPr>
+          <p:nvPr/>
+        </p:nvPicPr>
+        <p:blipFill>
+          <a:blip r:embed="rId5"/>
+          <a:srcRect/>
+          <a:stretch>
+            <a:fillRect/>
+          </a:stretch>
+        </p:blipFill>
+        <p:spPr bwMode="auto">
+          <a:xfrm>
+            <a:off x="514020" y="1"/>
+            <a:ext cx="1828799" cy="5143499"/>
+          </a:xfrm>
+          <a:prstGeom prst="rect">
+            <a:avLst/>
+          </a:prstGeom>
+          <a:noFill/>
         </p:spPr>
       </p:pic>
     </p:spTree>
@@ -13522,13 +12951,6 @@
   <p:clrMapOvr>
     <a:masterClrMapping/>
   </p:clrMapOvr>
-  <p:timing>
-    <p:tnLst>
-      <p:par>
-        <p:cTn id="1" dur="indefinite" restart="never" nodeType="tmRoot"/>
-      </p:par>
-    </p:tnLst>
-  </p:timing>
 </p:sld>
 </file>
 
@@ -13565,7 +12987,7 @@
         </p:nvSpPr>
         <p:spPr>
           <a:xfrm>
-            <a:off x="1028700" y="514350"/>
+            <a:off x="2584213" y="697261"/>
             <a:ext cx="7200900" cy="1114425"/>
           </a:xfrm>
           <a:prstGeom prst="rect">
@@ -13590,7 +13012,7 @@
               </a:spcAft>
             </a:pPr>
             <a:r>
-              <a:rPr lang="en-US" sz="4400" b="1" kern="1200" dirty="0" err="1" smtClean="0">
+              <a:rPr lang="en-US" sz="4400" b="1" kern="1200" dirty="0" err="1">
                 <a:solidFill>
                   <a:schemeClr val="tx2"/>
                 </a:solidFill>
@@ -13741,7 +13163,7 @@
         </p:blipFill>
         <p:spPr bwMode="auto">
           <a:xfrm>
-            <a:off x="4865959" y="2819299"/>
+            <a:off x="5776493" y="2785569"/>
             <a:ext cx="3095625" cy="1476375"/>
           </a:xfrm>
           <a:prstGeom prst="rect">
@@ -13767,7 +13189,7 @@
         </p:blipFill>
         <p:spPr bwMode="auto">
           <a:xfrm>
-            <a:off x="1196299" y="2995448"/>
+            <a:off x="2355630" y="2857046"/>
             <a:ext cx="3028950" cy="1254425"/>
           </a:xfrm>
           <a:prstGeom prst="rect">
@@ -13855,18 +13277,43 @@
           </a:fontRef>
         </p:style>
       </p:sp>
+      <p:pic>
+        <p:nvPicPr>
+          <p:cNvPr id="11" name="Picture 2" descr="https://lh3.googleusercontent.com/w_WLm4ZdTP2cngon2Cmll-bIBaDVzDFZiNEN-CXTmTspwVjg6Qla5Y302tZI2ev9aoQm2WDqJunVOxRsbyb3H7oJwUENdYnIQa1dRCzuirgFxf05_bd3htQYWn73i_wDfOje3c42MX0">
+            <a:extLst>
+              <a:ext uri="{FF2B5EF4-FFF2-40B4-BE49-F238E27FC236}">
+                <a16:creationId xmlns:a16="http://schemas.microsoft.com/office/drawing/2014/main" id="{8ABC3628-540F-4090-8E80-7EFF6DF0C286}"/>
+              </a:ext>
+            </a:extLst>
+          </p:cNvPr>
+          <p:cNvPicPr>
+            <a:picLocks noChangeAspect="1" noChangeArrowheads="1"/>
+          </p:cNvPicPr>
+          <p:nvPr/>
+        </p:nvPicPr>
+        <p:blipFill>
+          <a:blip r:embed="rId7"/>
+          <a:srcRect/>
+          <a:stretch>
+            <a:fillRect/>
+          </a:stretch>
+        </p:blipFill>
+        <p:spPr bwMode="auto">
+          <a:xfrm>
+            <a:off x="514020" y="1"/>
+            <a:ext cx="1828799" cy="5143499"/>
+          </a:xfrm>
+          <a:prstGeom prst="rect">
+            <a:avLst/>
+          </a:prstGeom>
+          <a:noFill/>
+        </p:spPr>
+      </p:pic>
     </p:spTree>
   </p:cSld>
   <p:clrMapOvr>
     <a:masterClrMapping/>
   </p:clrMapOvr>
-  <p:timing>
-    <p:tnLst>
-      <p:par>
-        <p:cTn id="1" dur="indefinite" restart="never" nodeType="tmRoot"/>
-      </p:par>
-    </p:tnLst>
-  </p:timing>
 </p:sld>
 </file>
 
@@ -13903,8 +13350,8 @@
         </p:nvSpPr>
         <p:spPr>
           <a:xfrm>
-            <a:off x="1028700" y="514350"/>
-            <a:ext cx="7200900" cy="1114425"/>
+            <a:off x="3200733" y="1958844"/>
+            <a:ext cx="4240591" cy="1114425"/>
           </a:xfrm>
           <a:prstGeom prst="rect">
             <a:avLst/>
@@ -13928,7 +13375,7 @@
               </a:spcAft>
             </a:pPr>
             <a:r>
-              <a:rPr lang="en-US" sz="4400" b="1" kern="1200" dirty="0" err="1" smtClean="0">
+              <a:rPr lang="en-US" sz="4400" b="1" kern="1200" dirty="0" err="1">
                 <a:solidFill>
                   <a:schemeClr val="tx2"/>
                 </a:solidFill>
@@ -13940,7 +13387,7 @@
               <a:t>Solucion</a:t>
             </a:r>
             <a:r>
-              <a:rPr lang="en-US" sz="4400" b="1" kern="1200" dirty="0" smtClean="0">
+              <a:rPr lang="en-US" sz="4400" b="1" kern="1200" dirty="0">
                 <a:solidFill>
                   <a:schemeClr val="tx2"/>
                 </a:solidFill>
@@ -13952,7 +13399,7 @@
               <a:t>(</a:t>
             </a:r>
             <a:r>
-              <a:rPr lang="en-US" sz="4400" b="1" kern="1200" dirty="0" err="1" smtClean="0">
+              <a:rPr lang="en-US" sz="4400" b="1" kern="1200" dirty="0" err="1">
                 <a:solidFill>
                   <a:schemeClr val="tx2"/>
                 </a:solidFill>
@@ -13964,7 +13411,7 @@
               <a:t>Prot</a:t>
             </a:r>
             <a:r>
-              <a:rPr lang="en-US" sz="4400" b="1" kern="1200" dirty="0" smtClean="0">
+              <a:rPr lang="en-US" sz="4400" b="1" kern="1200" dirty="0">
                 <a:solidFill>
                   <a:schemeClr val="tx2"/>
                 </a:solidFill>
@@ -13975,15 +13422,6 @@
               </a:rPr>
               <a:t>)</a:t>
             </a:r>
-            <a:endParaRPr lang="en-US" sz="4400" b="1" kern="1200" dirty="0">
-              <a:solidFill>
-                <a:schemeClr val="tx2"/>
-              </a:solidFill>
-              <a:latin typeface="+mj-lt"/>
-              <a:ea typeface="+mj-ea"/>
-              <a:cs typeface="+mj-cs"/>
-              <a:sym typeface="Proxima Nova"/>
-            </a:endParaRPr>
           </a:p>
         </p:txBody>
       </p:sp>
@@ -14151,18 +13589,43 @@
           </a:fontRef>
         </p:style>
       </p:sp>
+      <p:pic>
+        <p:nvPicPr>
+          <p:cNvPr id="7" name="Picture 2" descr="https://lh3.googleusercontent.com/w_WLm4ZdTP2cngon2Cmll-bIBaDVzDFZiNEN-CXTmTspwVjg6Qla5Y302tZI2ev9aoQm2WDqJunVOxRsbyb3H7oJwUENdYnIQa1dRCzuirgFxf05_bd3htQYWn73i_wDfOje3c42MX0">
+            <a:extLst>
+              <a:ext uri="{FF2B5EF4-FFF2-40B4-BE49-F238E27FC236}">
+                <a16:creationId xmlns:a16="http://schemas.microsoft.com/office/drawing/2014/main" id="{156A651B-6353-478D-B301-71A7D4BB11D9}"/>
+              </a:ext>
+            </a:extLst>
+          </p:cNvPr>
+          <p:cNvPicPr>
+            <a:picLocks noChangeAspect="1" noChangeArrowheads="1"/>
+          </p:cNvPicPr>
+          <p:nvPr/>
+        </p:nvPicPr>
+        <p:blipFill>
+          <a:blip r:embed="rId4"/>
+          <a:srcRect/>
+          <a:stretch>
+            <a:fillRect/>
+          </a:stretch>
+        </p:blipFill>
+        <p:spPr bwMode="auto">
+          <a:xfrm>
+            <a:off x="514020" y="1"/>
+            <a:ext cx="1828799" cy="5143499"/>
+          </a:xfrm>
+          <a:prstGeom prst="rect">
+            <a:avLst/>
+          </a:prstGeom>
+          <a:noFill/>
+        </p:spPr>
+      </p:pic>
     </p:spTree>
   </p:cSld>
   <p:clrMapOvr>
     <a:masterClrMapping/>
   </p:clrMapOvr>
-  <p:timing>
-    <p:tnLst>
-      <p:par>
-        <p:cTn id="1" dur="indefinite" restart="never" nodeType="tmRoot"/>
-      </p:par>
-    </p:tnLst>
-  </p:timing>
 </p:sld>
 </file>
 
@@ -14403,18 +13866,14 @@
           <a:lstStyle/>
           <a:p>
             <a:r>
-              <a:rPr lang="es-ES" sz="3600" b="1" dirty="0" smtClean="0"/>
+              <a:rPr lang="es-ES" sz="3600" b="1" dirty="0"/>
               <a:t>PREGUNTAS</a:t>
             </a:r>
-            <a:endParaRPr lang="es-ES" sz="3600" dirty="0" smtClean="0"/>
-          </a:p>
-          <a:p>
-            <a:r>
-              <a:rPr lang="es-ES" dirty="0" smtClean="0"/>
-              <a:t/>
-            </a:r>
+            <a:endParaRPr lang="es-ES" sz="3600" dirty="0"/>
+          </a:p>
+          <a:p>
             <a:br>
-              <a:rPr lang="es-ES" dirty="0" smtClean="0"/>
+              <a:rPr lang="es-ES" dirty="0"/>
             </a:br>
             <a:endParaRPr lang="es-ES" dirty="0"/>
           </a:p>
@@ -14425,13 +13884,6 @@
   <p:clrMapOvr>
     <a:masterClrMapping/>
   </p:clrMapOvr>
-  <p:timing>
-    <p:tnLst>
-      <p:par>
-        <p:cTn id="1" dur="indefinite" restart="never" nodeType="tmRoot"/>
-      </p:par>
-    </p:tnLst>
-  </p:timing>
 </p:sld>
 </file>
 
@@ -14727,39 +14179,39 @@
         <a:sysClr val="window" lastClr="FFFFFF"/>
       </a:lt1>
       <a:dk2>
-        <a:srgbClr val="1A2E40"/>
+        <a:srgbClr val="191B0E"/>
       </a:dk2>
       <a:lt2>
-        <a:srgbClr val="EBE7DD"/>
+        <a:srgbClr val="EFEDE3"/>
       </a:lt2>
       <a:accent1>
-        <a:srgbClr val="69A1AB"/>
+        <a:srgbClr val="8C8D86"/>
       </a:accent1>
       <a:accent2>
-        <a:srgbClr val="F2C418"/>
+        <a:srgbClr val="E6C069"/>
       </a:accent2>
       <a:accent3>
-        <a:srgbClr val="87492C"/>
+        <a:srgbClr val="897B61"/>
       </a:accent3>
       <a:accent4>
-        <a:srgbClr val="4A845E"/>
+        <a:srgbClr val="8DAB8E"/>
       </a:accent4>
       <a:accent5>
-        <a:srgbClr val="DC9528"/>
+        <a:srgbClr val="77A2BB"/>
       </a:accent5>
       <a:accent6>
-        <a:srgbClr val="9A5D78"/>
+        <a:srgbClr val="E28394"/>
       </a:accent6>
       <a:hlink>
-        <a:srgbClr val="66C8E3"/>
+        <a:srgbClr val="77A2BB"/>
       </a:hlink>
       <a:folHlink>
-        <a:srgbClr val="B162A1"/>
+        <a:srgbClr val="957A99"/>
       </a:folHlink>
     </a:clrScheme>
     <a:fontScheme name="Recorte">
       <a:majorFont>
-        <a:latin typeface="Franklin Gothic Book"/>
+        <a:latin typeface="Franklin Gothic Book" panose="020B0503020102020204"/>
         <a:ea typeface=""/>
         <a:cs typeface=""/>
         <a:font script="Jpan" typeface="メイリオ"/>
@@ -14794,7 +14246,7 @@
         <a:font script="Geor" typeface="Sylfaen"/>
       </a:majorFont>
       <a:minorFont>
-        <a:latin typeface="Franklin Gothic Book"/>
+        <a:latin typeface="Franklin Gothic Book" panose="020B0503020102020204"/>
         <a:ea typeface=""/>
         <a:cs typeface=""/>
         <a:font script="Jpan" typeface="メイリオ"/>
@@ -14968,7 +14420,7 @@
   <a:extraClrSchemeLst/>
   <a:extLst>
     <a:ext uri="{05A4C25C-085E-4340-85A3-A5531E510DB2}">
-      <thm15:themeFamily xmlns:thm15="http://schemas.microsoft.com/office/thememl/2012/main" name="Crop" id="{EC9488ED-E761-4D60-9AC4-764D1FE2C171}" vid="{17F9D331-421E-442F-B033-AF5B21A44854}"/>
+      <thm15:themeFamily xmlns:thm15="http://schemas.microsoft.com/office/thememl/2012/main" name="Crop" id="{EC9488ED-E761-4D60-9AC4-764D1FE2C171}" vid="{CE19780C-D67D-4C13-9DE9-A52BC3BA51B4}"/>
     </a:ext>
   </a:extLst>
 </a:theme>
